--- a/Parte III/Informe/SISTEMA DE GESTIÓN DE VENTAS DE PERFUMERÍA EN.pptx
+++ b/Parte III/Informe/SISTEMA DE GESTIÓN DE VENTAS DE PERFUMERÍA EN.pptx
@@ -8,22 +8,22 @@
     <p:sldId id="256" r:id="rId2"/>
     <p:sldId id="258" r:id="rId3"/>
     <p:sldId id="259" r:id="rId4"/>
-    <p:sldId id="257" r:id="rId5"/>
-    <p:sldId id="260" r:id="rId6"/>
-    <p:sldId id="261" r:id="rId7"/>
-    <p:sldId id="262" r:id="rId8"/>
-    <p:sldId id="263" r:id="rId9"/>
-    <p:sldId id="264" r:id="rId10"/>
-    <p:sldId id="265" r:id="rId11"/>
-    <p:sldId id="266" r:id="rId12"/>
-    <p:sldId id="267" r:id="rId13"/>
-    <p:sldId id="268" r:id="rId14"/>
-    <p:sldId id="269" r:id="rId15"/>
-    <p:sldId id="270" r:id="rId16"/>
-    <p:sldId id="271" r:id="rId17"/>
-    <p:sldId id="272" r:id="rId18"/>
-    <p:sldId id="273" r:id="rId19"/>
-    <p:sldId id="274" r:id="rId20"/>
+    <p:sldId id="262" r:id="rId5"/>
+    <p:sldId id="263" r:id="rId6"/>
+    <p:sldId id="264" r:id="rId7"/>
+    <p:sldId id="265" r:id="rId8"/>
+    <p:sldId id="266" r:id="rId9"/>
+    <p:sldId id="267" r:id="rId10"/>
+    <p:sldId id="268" r:id="rId11"/>
+    <p:sldId id="269" r:id="rId12"/>
+    <p:sldId id="270" r:id="rId13"/>
+    <p:sldId id="271" r:id="rId14"/>
+    <p:sldId id="272" r:id="rId15"/>
+    <p:sldId id="273" r:id="rId16"/>
+    <p:sldId id="257" r:id="rId17"/>
+    <p:sldId id="274" r:id="rId18"/>
+    <p:sldId id="260" r:id="rId19"/>
+    <p:sldId id="261" r:id="rId20"/>
     <p:sldId id="275" r:id="rId21"/>
     <p:sldId id="276" r:id="rId22"/>
     <p:sldId id="277" r:id="rId23"/>
@@ -129,6 +129,11 @@
       </a:defRPr>
     </a:lvl9pPr>
   </p:defaultTextStyle>
+  <p:extLst>
+    <p:ext uri="{EFAFB233-063F-42B5-8137-9DF3F51BA10A}">
+      <p15:sldGuideLst xmlns:p15="http://schemas.microsoft.com/office/powerpoint/2012/main"/>
+    </p:ext>
+  </p:extLst>
 </p:presentation>
 </file>
 
@@ -320,7 +325,7 @@
           <a:p>
             <a:fld id="{3A0D17C3-BB75-42D1-B9F2-BD287FAAC41C}" type="datetimeFigureOut">
               <a:rPr lang="es-EC" smtClean="0"/>
-              <a:t>31/8/2024</a:t>
+              <a:t>13/9/2024</a:t>
             </a:fld>
             <a:endParaRPr lang="es-EC"/>
           </a:p>
@@ -658,7 +663,7 @@
           <a:p>
             <a:fld id="{3A0D17C3-BB75-42D1-B9F2-BD287FAAC41C}" type="datetimeFigureOut">
               <a:rPr lang="es-EC" smtClean="0"/>
-              <a:t>31/8/2024</a:t>
+              <a:t>13/9/2024</a:t>
             </a:fld>
             <a:endParaRPr lang="es-EC"/>
           </a:p>
@@ -1059,7 +1064,7 @@
           <a:p>
             <a:fld id="{3A0D17C3-BB75-42D1-B9F2-BD287FAAC41C}" type="datetimeFigureOut">
               <a:rPr lang="es-EC" smtClean="0"/>
-              <a:t>31/8/2024</a:t>
+              <a:t>13/9/2024</a:t>
             </a:fld>
             <a:endParaRPr lang="es-EC"/>
           </a:p>
@@ -1395,7 +1400,7 @@
           <a:p>
             <a:fld id="{3A0D17C3-BB75-42D1-B9F2-BD287FAAC41C}" type="datetimeFigureOut">
               <a:rPr lang="es-EC" smtClean="0"/>
-              <a:t>31/8/2024</a:t>
+              <a:t>13/9/2024</a:t>
             </a:fld>
             <a:endParaRPr lang="es-EC"/>
           </a:p>
@@ -1715,7 +1720,7 @@
           <a:p>
             <a:fld id="{3A0D17C3-BB75-42D1-B9F2-BD287FAAC41C}" type="datetimeFigureOut">
               <a:rPr lang="es-EC" smtClean="0"/>
-              <a:t>31/8/2024</a:t>
+              <a:t>13/9/2024</a:t>
             </a:fld>
             <a:endParaRPr lang="es-EC"/>
           </a:p>
@@ -2111,7 +2116,7 @@
           <a:p>
             <a:fld id="{3A0D17C3-BB75-42D1-B9F2-BD287FAAC41C}" type="datetimeFigureOut">
               <a:rPr lang="es-EC" smtClean="0"/>
-              <a:t>31/8/2024</a:t>
+              <a:t>13/9/2024</a:t>
             </a:fld>
             <a:endParaRPr lang="es-EC"/>
           </a:p>
@@ -2368,7 +2373,7 @@
           <a:p>
             <a:fld id="{3A0D17C3-BB75-42D1-B9F2-BD287FAAC41C}" type="datetimeFigureOut">
               <a:rPr lang="es-EC" smtClean="0"/>
-              <a:t>31/8/2024</a:t>
+              <a:t>13/9/2024</a:t>
             </a:fld>
             <a:endParaRPr lang="es-EC"/>
           </a:p>
@@ -2630,7 +2635,7 @@
           <a:p>
             <a:fld id="{3A0D17C3-BB75-42D1-B9F2-BD287FAAC41C}" type="datetimeFigureOut">
               <a:rPr lang="es-EC" smtClean="0"/>
-              <a:t>31/8/2024</a:t>
+              <a:t>13/9/2024</a:t>
             </a:fld>
             <a:endParaRPr lang="es-EC"/>
           </a:p>
@@ -2892,7 +2897,7 @@
           <a:p>
             <a:fld id="{3A0D17C3-BB75-42D1-B9F2-BD287FAAC41C}" type="datetimeFigureOut">
               <a:rPr lang="es-EC" smtClean="0"/>
-              <a:t>31/8/2024</a:t>
+              <a:t>13/9/2024</a:t>
             </a:fld>
             <a:endParaRPr lang="es-EC"/>
           </a:p>
@@ -3221,7 +3226,7 @@
           <a:p>
             <a:fld id="{3A0D17C3-BB75-42D1-B9F2-BD287FAAC41C}" type="datetimeFigureOut">
               <a:rPr lang="es-EC" smtClean="0"/>
-              <a:t>31/8/2024</a:t>
+              <a:t>13/9/2024</a:t>
             </a:fld>
             <a:endParaRPr lang="es-EC"/>
           </a:p>
@@ -3544,7 +3549,7 @@
           <a:p>
             <a:fld id="{3A0D17C3-BB75-42D1-B9F2-BD287FAAC41C}" type="datetimeFigureOut">
               <a:rPr lang="es-EC" smtClean="0"/>
-              <a:t>31/8/2024</a:t>
+              <a:t>13/9/2024</a:t>
             </a:fld>
             <a:endParaRPr lang="es-EC"/>
           </a:p>
@@ -4001,7 +4006,7 @@
           <a:p>
             <a:fld id="{3A0D17C3-BB75-42D1-B9F2-BD287FAAC41C}" type="datetimeFigureOut">
               <a:rPr lang="es-EC" smtClean="0"/>
-              <a:t>31/8/2024</a:t>
+              <a:t>13/9/2024</a:t>
             </a:fld>
             <a:endParaRPr lang="es-EC"/>
           </a:p>
@@ -4206,7 +4211,7 @@
           <a:p>
             <a:fld id="{3A0D17C3-BB75-42D1-B9F2-BD287FAAC41C}" type="datetimeFigureOut">
               <a:rPr lang="es-EC" smtClean="0"/>
-              <a:t>31/8/2024</a:t>
+              <a:t>13/9/2024</a:t>
             </a:fld>
             <a:endParaRPr lang="es-EC"/>
           </a:p>
@@ -4383,7 +4388,7 @@
           <a:p>
             <a:fld id="{3A0D17C3-BB75-42D1-B9F2-BD287FAAC41C}" type="datetimeFigureOut">
               <a:rPr lang="es-EC" smtClean="0"/>
-              <a:t>31/8/2024</a:t>
+              <a:t>13/9/2024</a:t>
             </a:fld>
             <a:endParaRPr lang="es-EC"/>
           </a:p>
@@ -4716,7 +4721,7 @@
           <a:p>
             <a:fld id="{3A0D17C3-BB75-42D1-B9F2-BD287FAAC41C}" type="datetimeFigureOut">
               <a:rPr lang="es-EC" smtClean="0"/>
-              <a:t>31/8/2024</a:t>
+              <a:t>13/9/2024</a:t>
             </a:fld>
             <a:endParaRPr lang="es-EC"/>
           </a:p>
@@ -5061,7 +5066,7 @@
           <a:p>
             <a:fld id="{3A0D17C3-BB75-42D1-B9F2-BD287FAAC41C}" type="datetimeFigureOut">
               <a:rPr lang="es-EC" smtClean="0"/>
-              <a:t>31/8/2024</a:t>
+              <a:t>13/9/2024</a:t>
             </a:fld>
             <a:endParaRPr lang="es-EC"/>
           </a:p>
@@ -7178,7 +7183,7 @@
           <a:p>
             <a:fld id="{3A0D17C3-BB75-42D1-B9F2-BD287FAAC41C}" type="datetimeFigureOut">
               <a:rPr lang="es-EC" smtClean="0"/>
-              <a:t>31/8/2024</a:t>
+              <a:t>13/9/2024</a:t>
             </a:fld>
             <a:endParaRPr lang="es-EC"/>
           </a:p>
@@ -7867,7 +7872,7 @@
           <p:cNvPr id="2" name="Título 1">
             <a:extLst>
               <a:ext uri="{FF2B5EF4-FFF2-40B4-BE49-F238E27FC236}">
-                <a16:creationId xmlns:a16="http://schemas.microsoft.com/office/drawing/2014/main" id="{26BA259C-A60A-4AE2-8FB6-CEB40F272011}"/>
+                <a16:creationId xmlns:a16="http://schemas.microsoft.com/office/drawing/2014/main" id="{AA2A3B0F-78ED-4390-A3A8-3D9C3005AA9B}"/>
               </a:ext>
             </a:extLst>
           </p:cNvPr>
@@ -7878,21 +7883,30 @@
             <p:ph type="title"/>
           </p:nvPr>
         </p:nvSpPr>
-        <p:spPr/>
+        <p:spPr>
+          <a:xfrm>
+            <a:off x="1591733" y="624110"/>
+            <a:ext cx="9912879" cy="1280890"/>
+          </a:xfrm>
+        </p:spPr>
         <p:txBody>
           <a:bodyPr>
-            <a:normAutofit fontScale="90000"/>
+            <a:normAutofit/>
           </a:bodyPr>
           <a:lstStyle/>
           <a:p>
+            <a:r>
+              <a:rPr lang="es-ES" sz="2000" dirty="0"/>
+              <a:t>Especificación de Requerimientos Funcionales (ERF) </a:t>
+            </a:r>
             <a:br>
-              <a:rPr lang="es-EC" dirty="0"/>
+              <a:rPr lang="es-ES" sz="2000" dirty="0"/>
             </a:br>
             <a:r>
-              <a:rPr lang="es-ES" dirty="0"/>
-              <a:t> Actualización de Información de Clientes</a:t>
-            </a:r>
-            <a:endParaRPr lang="es-EC" dirty="0"/>
+              <a:rPr lang="es-ES" sz="2000" dirty="0"/>
+              <a:t>Sistema de Venta de Perfumería - Gestión de Clientes CRUD por Administrador</a:t>
+            </a:r>
+            <a:endParaRPr lang="es-EC" sz="2000" dirty="0"/>
           </a:p>
         </p:txBody>
       </p:sp>
@@ -7901,7 +7915,7 @@
           <p:cNvPr id="3" name="Marcador de contenido 2">
             <a:extLst>
               <a:ext uri="{FF2B5EF4-FFF2-40B4-BE49-F238E27FC236}">
-                <a16:creationId xmlns:a16="http://schemas.microsoft.com/office/drawing/2014/main" id="{3BDB2D3E-FC09-4687-BCE6-77EB275BF17F}"/>
+                <a16:creationId xmlns:a16="http://schemas.microsoft.com/office/drawing/2014/main" id="{3DD46CF1-8F50-41A1-90B1-D8F3F54718D4}"/>
               </a:ext>
             </a:extLst>
           </p:cNvPr>
@@ -7914,23 +7928,33 @@
         </p:nvSpPr>
         <p:spPr>
           <a:xfrm>
-            <a:off x="1337733" y="2133600"/>
-            <a:ext cx="10166879" cy="3777622"/>
+            <a:off x="1151467" y="2133600"/>
+            <a:ext cx="10353145" cy="3777622"/>
           </a:xfrm>
         </p:spPr>
         <p:txBody>
           <a:bodyPr/>
           <a:lstStyle/>
           <a:p>
+            <a:pPr algn="just">
+              <a:lnSpc>
+                <a:spcPct val="150000"/>
+              </a:lnSpc>
+            </a:pPr>
+            <a:r>
+              <a:rPr lang="es-EC" dirty="0"/>
+              <a:t>Introducción</a:t>
+            </a:r>
+          </a:p>
+          <a:p>
+            <a:pPr algn="just">
+              <a:lnSpc>
+                <a:spcPct val="150000"/>
+              </a:lnSpc>
+            </a:pPr>
             <a:r>
               <a:rPr lang="es-ES" dirty="0"/>
-              <a:t>RF3: El administrador debe poder leer y visualizar una lista completa de clientes registrados en el sistema, con detalles como nombre, correo electrónico, historial de compras y estado de la cuenta. </a:t>
-            </a:r>
-          </a:p>
-          <a:p>
-            <a:r>
-              <a:rPr lang="es-ES" dirty="0"/>
-              <a:t>RF4: El administrador debe poder buscar y filtrar clientes por diferentes criterios, como nombre, correo electrónico, fecha de registro, o estado de la cuenta.</a:t>
+              <a:t>Este documento detalla los requerimientos funcionales específicos relacionados con las operaciones CRUD que el administrador debe poder realizar para la gestión de clientes en el sistema de venta de perfumería.</a:t>
             </a:r>
             <a:endParaRPr lang="es-EC" dirty="0"/>
           </a:p>
@@ -7939,7 +7963,7 @@
     </p:spTree>
     <p:extLst>
       <p:ext uri="{BB962C8B-B14F-4D97-AF65-F5344CB8AC3E}">
-        <p14:creationId xmlns:p14="http://schemas.microsoft.com/office/powerpoint/2010/main" val="2114068822"/>
+        <p14:creationId xmlns:p14="http://schemas.microsoft.com/office/powerpoint/2010/main" val="4139903517"/>
       </p:ext>
     </p:extLst>
   </p:cSld>
@@ -7971,7 +7995,7 @@
           <p:cNvPr id="2" name="Título 1">
             <a:extLst>
               <a:ext uri="{FF2B5EF4-FFF2-40B4-BE49-F238E27FC236}">
-                <a16:creationId xmlns:a16="http://schemas.microsoft.com/office/drawing/2014/main" id="{9E3685F2-0F12-4C5D-A66E-FF35F7E2F23B}"/>
+                <a16:creationId xmlns:a16="http://schemas.microsoft.com/office/drawing/2014/main" id="{B7730A95-37F2-4AFA-92ED-C2BCA6B9F7B2}"/>
               </a:ext>
             </a:extLst>
           </p:cNvPr>
@@ -7982,14 +8006,28 @@
             <p:ph type="title"/>
           </p:nvPr>
         </p:nvSpPr>
-        <p:spPr/>
-        <p:txBody>
-          <a:bodyPr/>
+        <p:spPr>
+          <a:xfrm>
+            <a:off x="1896533" y="624110"/>
+            <a:ext cx="9608079" cy="1280890"/>
+          </a:xfrm>
+        </p:spPr>
+        <p:txBody>
+          <a:bodyPr>
+            <a:normAutofit/>
+          </a:bodyPr>
           <a:lstStyle/>
           <a:p>
             <a:r>
-              <a:rPr lang="es-EC" dirty="0"/>
-              <a:t>Eliminación de Clientes</a:t>
+              <a:rPr lang="es-EC" sz="2000" dirty="0"/>
+              <a:t>Requerimientos Funcionales </a:t>
+            </a:r>
+            <a:br>
+              <a:rPr lang="es-EC" sz="2000" dirty="0"/>
+            </a:br>
+            <a:r>
+              <a:rPr lang="es-EC" sz="2000" dirty="0"/>
+              <a:t>2.1. Creación de Clientes</a:t>
             </a:r>
           </a:p>
         </p:txBody>
@@ -7999,7 +8037,7 @@
           <p:cNvPr id="3" name="Marcador de contenido 2">
             <a:extLst>
               <a:ext uri="{FF2B5EF4-FFF2-40B4-BE49-F238E27FC236}">
-                <a16:creationId xmlns:a16="http://schemas.microsoft.com/office/drawing/2014/main" id="{A1086AD6-DE0D-4AFD-B548-AB0C18952E26}"/>
+                <a16:creationId xmlns:a16="http://schemas.microsoft.com/office/drawing/2014/main" id="{1317B0DB-BD50-4614-940D-5ADC68648234}"/>
               </a:ext>
             </a:extLst>
           </p:cNvPr>
@@ -8012,32 +8050,85 @@
         </p:nvSpPr>
         <p:spPr>
           <a:xfrm>
-            <a:off x="1270000" y="2133600"/>
-            <a:ext cx="10234612" cy="3777622"/>
+            <a:off x="1693333" y="2133600"/>
+            <a:ext cx="9811279" cy="3777622"/>
           </a:xfrm>
         </p:spPr>
         <p:txBody>
           <a:bodyPr/>
           <a:lstStyle/>
           <a:p>
+            <a:pPr algn="just">
+              <a:lnSpc>
+                <a:spcPct val="150000"/>
+              </a:lnSpc>
+            </a:pPr>
             <a:r>
               <a:rPr lang="es-ES" dirty="0"/>
-              <a:t>RF7: El administrador debe poder eliminar una cuenta de cliente cuando sea necesario, ya sea por solicitud del cliente o por razones administrativas. </a:t>
-            </a:r>
-          </a:p>
-          <a:p>
-            <a:r>
-              <a:rPr lang="es-ES" dirty="0"/>
-              <a:t>RF8: Antes de eliminar una cuenta, el sistema debe solicitar una confirmación para evitar eliminaciones accidentales.</a:t>
-            </a:r>
-            <a:endParaRPr lang="es-EC" dirty="0"/>
+              <a:t>RF1: El sistema debe permitir al administrador crear una nueva cuenta de cliente, ingresando información básica como: </a:t>
+            </a:r>
+          </a:p>
+          <a:p>
+            <a:pPr algn="just">
+              <a:lnSpc>
+                <a:spcPct val="150000"/>
+              </a:lnSpc>
+            </a:pPr>
+            <a:r>
+              <a:rPr lang="es-EC" dirty="0"/>
+              <a:t>Nombre completo. </a:t>
+            </a:r>
+          </a:p>
+          <a:p>
+            <a:pPr algn="just">
+              <a:lnSpc>
+                <a:spcPct val="150000"/>
+              </a:lnSpc>
+            </a:pPr>
+            <a:r>
+              <a:rPr lang="es-EC" dirty="0"/>
+              <a:t>Dirección de correo electrónico. </a:t>
+            </a:r>
+          </a:p>
+          <a:p>
+            <a:pPr algn="just">
+              <a:lnSpc>
+                <a:spcPct val="150000"/>
+              </a:lnSpc>
+            </a:pPr>
+            <a:r>
+              <a:rPr lang="es-EC" dirty="0"/>
+              <a:t>Número de teléfono. </a:t>
+            </a:r>
+          </a:p>
+          <a:p>
+            <a:pPr algn="just">
+              <a:lnSpc>
+                <a:spcPct val="150000"/>
+              </a:lnSpc>
+            </a:pPr>
+            <a:r>
+              <a:rPr lang="es-EC" dirty="0"/>
+              <a:t>Dirección física. </a:t>
+            </a:r>
+          </a:p>
+          <a:p>
+            <a:pPr algn="just">
+              <a:lnSpc>
+                <a:spcPct val="150000"/>
+              </a:lnSpc>
+            </a:pPr>
+            <a:r>
+              <a:rPr lang="es-EC" dirty="0"/>
+              <a:t>Fecha de nacimiento (opcional).</a:t>
+            </a:r>
           </a:p>
         </p:txBody>
       </p:sp>
     </p:spTree>
     <p:extLst>
       <p:ext uri="{BB962C8B-B14F-4D97-AF65-F5344CB8AC3E}">
-        <p14:creationId xmlns:p14="http://schemas.microsoft.com/office/powerpoint/2010/main" val="1784669680"/>
+        <p14:creationId xmlns:p14="http://schemas.microsoft.com/office/powerpoint/2010/main" val="2343730151"/>
       </p:ext>
     </p:extLst>
   </p:cSld>
@@ -8066,10 +8157,10 @@
       </p:grpSpPr>
       <p:sp>
         <p:nvSpPr>
-          <p:cNvPr id="2" name="Título 1">
+          <p:cNvPr id="3" name="Marcador de contenido 2">
             <a:extLst>
               <a:ext uri="{FF2B5EF4-FFF2-40B4-BE49-F238E27FC236}">
-                <a16:creationId xmlns:a16="http://schemas.microsoft.com/office/drawing/2014/main" id="{2DBC5AC6-342B-4900-B0BB-B4F891DF65BE}"/>
+                <a16:creationId xmlns:a16="http://schemas.microsoft.com/office/drawing/2014/main" id="{84AAFB8D-25D5-43C7-A91F-B738A5CB8BBC}"/>
               </a:ext>
             </a:extLst>
           </p:cNvPr>
@@ -8077,76 +8168,90 @@
             <a:spLocks noGrp="1"/>
           </p:cNvSpPr>
           <p:nvPr>
-            <p:ph type="title"/>
+            <p:ph idx="1"/>
           </p:nvPr>
         </p:nvSpPr>
         <p:spPr>
           <a:xfrm>
-            <a:off x="2082801" y="624110"/>
-            <a:ext cx="9421812" cy="1280890"/>
+            <a:off x="1134533" y="1405467"/>
+            <a:ext cx="10370079" cy="4505755"/>
           </a:xfrm>
         </p:spPr>
         <p:txBody>
           <a:bodyPr/>
           <a:lstStyle/>
           <a:p>
+            <a:pPr algn="just">
+              <a:lnSpc>
+                <a:spcPct val="150000"/>
+              </a:lnSpc>
+            </a:pPr>
+            <a:r>
+              <a:rPr lang="es-ES" dirty="0"/>
+              <a:t>RF2: El sistema debe enviar un correo electrónico de bienvenida al cliente cuando se crea una nueva cuenta. </a:t>
+            </a:r>
+          </a:p>
+          <a:p>
+            <a:pPr algn="just">
+              <a:lnSpc>
+                <a:spcPct val="150000"/>
+              </a:lnSpc>
+            </a:pPr>
+            <a:r>
+              <a:rPr lang="es-ES" dirty="0"/>
+              <a:t>2.2. Lectura y Visualización de Información de Clientes </a:t>
+            </a:r>
+          </a:p>
+          <a:p>
+            <a:pPr algn="just">
+              <a:lnSpc>
+                <a:spcPct val="150000"/>
+              </a:lnSpc>
+            </a:pPr>
+            <a:r>
+              <a:rPr lang="es-ES" dirty="0"/>
+              <a:t>RF3: El sistema debe permitir al administrador visualizar una lista completa de clientes registrados, mostrando información relevante como: </a:t>
+            </a:r>
+          </a:p>
+          <a:p>
+            <a:pPr algn="just">
+              <a:lnSpc>
+                <a:spcPct val="150000"/>
+              </a:lnSpc>
+            </a:pPr>
             <a:r>
               <a:rPr lang="es-EC" dirty="0"/>
-              <a:t>Requerimientos No Funcionales</a:t>
-            </a:r>
-          </a:p>
-        </p:txBody>
-      </p:sp>
-      <p:sp>
-        <p:nvSpPr>
-          <p:cNvPr id="3" name="Marcador de contenido 2">
-            <a:extLst>
-              <a:ext uri="{FF2B5EF4-FFF2-40B4-BE49-F238E27FC236}">
-                <a16:creationId xmlns:a16="http://schemas.microsoft.com/office/drawing/2014/main" id="{4E1E9789-0596-4B92-ABAB-5F029D4CEE98}"/>
-              </a:ext>
-            </a:extLst>
-          </p:cNvPr>
-          <p:cNvSpPr>
-            <a:spLocks noGrp="1"/>
-          </p:cNvSpPr>
-          <p:nvPr>
-            <p:ph idx="1"/>
-          </p:nvPr>
-        </p:nvSpPr>
-        <p:spPr>
-          <a:xfrm>
-            <a:off x="1100667" y="2133600"/>
-            <a:ext cx="10403945" cy="3777622"/>
-          </a:xfrm>
-        </p:spPr>
-        <p:txBody>
-          <a:bodyPr/>
-          <a:lstStyle/>
-          <a:p>
-            <a:r>
-              <a:rPr lang="es-ES" dirty="0"/>
-              <a:t>RNF1: El sistema debe ser accesible desde dispositivos móviles y de escritorio, con un diseño responsivo. </a:t>
-            </a:r>
-          </a:p>
-          <a:p>
-            <a:r>
-              <a:rPr lang="es-ES" dirty="0"/>
-              <a:t>RNF2: La interfaz para la gestión de clientes debe ser intuitiva y fácil de usar, con tiempos de respuesta rápidos. </a:t>
-            </a:r>
-          </a:p>
-          <a:p>
-            <a:r>
-              <a:rPr lang="es-ES" dirty="0"/>
-              <a:t>RNF3: El sistema debe cumplir con las normativas de seguridad, protegiendo la información personal de los clientes.</a:t>
-            </a:r>
-            <a:endParaRPr lang="es-EC" dirty="0"/>
+              <a:t>Nombre completo. </a:t>
+            </a:r>
+          </a:p>
+          <a:p>
+            <a:pPr algn="just">
+              <a:lnSpc>
+                <a:spcPct val="150000"/>
+              </a:lnSpc>
+            </a:pPr>
+            <a:r>
+              <a:rPr lang="es-EC" dirty="0"/>
+              <a:t>Dirección de correo electrónico. </a:t>
+            </a:r>
+          </a:p>
+          <a:p>
+            <a:pPr algn="just">
+              <a:lnSpc>
+                <a:spcPct val="150000"/>
+              </a:lnSpc>
+            </a:pPr>
+            <a:r>
+              <a:rPr lang="es-EC" dirty="0"/>
+              <a:t>Número de teléfono.</a:t>
+            </a:r>
           </a:p>
         </p:txBody>
       </p:sp>
     </p:spTree>
     <p:extLst>
       <p:ext uri="{BB962C8B-B14F-4D97-AF65-F5344CB8AC3E}">
-        <p14:creationId xmlns:p14="http://schemas.microsoft.com/office/powerpoint/2010/main" val="1540236967"/>
+        <p14:creationId xmlns:p14="http://schemas.microsoft.com/office/powerpoint/2010/main" val="3863709571"/>
       </p:ext>
     </p:extLst>
   </p:cSld>
@@ -8178,7 +8283,7 @@
           <p:cNvPr id="2" name="Título 1">
             <a:extLst>
               <a:ext uri="{FF2B5EF4-FFF2-40B4-BE49-F238E27FC236}">
-                <a16:creationId xmlns:a16="http://schemas.microsoft.com/office/drawing/2014/main" id="{AA2A3B0F-78ED-4390-A3A8-3D9C3005AA9B}"/>
+                <a16:creationId xmlns:a16="http://schemas.microsoft.com/office/drawing/2014/main" id="{EB2C44E8-1366-4C56-AD44-49FB6AED4740}"/>
               </a:ext>
             </a:extLst>
           </p:cNvPr>
@@ -8191,8 +8296,8 @@
         </p:nvSpPr>
         <p:spPr>
           <a:xfrm>
-            <a:off x="1591733" y="624110"/>
-            <a:ext cx="9912879" cy="1280890"/>
+            <a:off x="1744133" y="615643"/>
+            <a:ext cx="9760479" cy="1280890"/>
           </a:xfrm>
         </p:spPr>
         <p:txBody>
@@ -8201,351 +8306,6 @@
           </a:bodyPr>
           <a:lstStyle/>
           <a:p>
-            <a:r>
-              <a:rPr lang="es-ES" sz="2000" dirty="0"/>
-              <a:t>Especificación de Requerimientos Funcionales (ERF) </a:t>
-            </a:r>
-            <a:br>
-              <a:rPr lang="es-ES" sz="2000" dirty="0"/>
-            </a:br>
-            <a:r>
-              <a:rPr lang="es-ES" sz="2000" dirty="0"/>
-              <a:t>Sistema de Venta de Perfumería - Gestión de Clientes CRUD por Administrador</a:t>
-            </a:r>
-            <a:endParaRPr lang="es-EC" sz="2000" dirty="0"/>
-          </a:p>
-        </p:txBody>
-      </p:sp>
-      <p:sp>
-        <p:nvSpPr>
-          <p:cNvPr id="3" name="Marcador de contenido 2">
-            <a:extLst>
-              <a:ext uri="{FF2B5EF4-FFF2-40B4-BE49-F238E27FC236}">
-                <a16:creationId xmlns:a16="http://schemas.microsoft.com/office/drawing/2014/main" id="{3DD46CF1-8F50-41A1-90B1-D8F3F54718D4}"/>
-              </a:ext>
-            </a:extLst>
-          </p:cNvPr>
-          <p:cNvSpPr>
-            <a:spLocks noGrp="1"/>
-          </p:cNvSpPr>
-          <p:nvPr>
-            <p:ph idx="1"/>
-          </p:nvPr>
-        </p:nvSpPr>
-        <p:spPr>
-          <a:xfrm>
-            <a:off x="1151467" y="2133600"/>
-            <a:ext cx="10353145" cy="3777622"/>
-          </a:xfrm>
-        </p:spPr>
-        <p:txBody>
-          <a:bodyPr/>
-          <a:lstStyle/>
-          <a:p>
-            <a:r>
-              <a:rPr lang="es-EC" dirty="0"/>
-              <a:t>Introducción</a:t>
-            </a:r>
-          </a:p>
-          <a:p>
-            <a:r>
-              <a:rPr lang="es-ES" dirty="0"/>
-              <a:t>Este documento detalla los requerimientos funcionales específicos relacionados con las operaciones CRUD que el administrador debe poder realizar para la gestión de clientes en el sistema de venta de perfumería.</a:t>
-            </a:r>
-            <a:endParaRPr lang="es-EC" dirty="0"/>
-          </a:p>
-        </p:txBody>
-      </p:sp>
-    </p:spTree>
-    <p:extLst>
-      <p:ext uri="{BB962C8B-B14F-4D97-AF65-F5344CB8AC3E}">
-        <p14:creationId xmlns:p14="http://schemas.microsoft.com/office/powerpoint/2010/main" val="4139903517"/>
-      </p:ext>
-    </p:extLst>
-  </p:cSld>
-  <p:clrMapOvr>
-    <a:masterClrMapping/>
-  </p:clrMapOvr>
-</p:sld>
-</file>
-
-<file path=ppt/slides/slide14.xml><?xml version="1.0" encoding="utf-8"?>
-<p:sld xmlns:a="http://schemas.openxmlformats.org/drawingml/2006/main" xmlns:r="http://schemas.openxmlformats.org/officeDocument/2006/relationships" xmlns:p="http://schemas.openxmlformats.org/presentationml/2006/main">
-  <p:cSld>
-    <p:spTree>
-      <p:nvGrpSpPr>
-        <p:cNvPr id="1" name=""/>
-        <p:cNvGrpSpPr/>
-        <p:nvPr/>
-      </p:nvGrpSpPr>
-      <p:grpSpPr>
-        <a:xfrm>
-          <a:off x="0" y="0"/>
-          <a:ext cx="0" cy="0"/>
-          <a:chOff x="0" y="0"/>
-          <a:chExt cx="0" cy="0"/>
-        </a:xfrm>
-      </p:grpSpPr>
-      <p:sp>
-        <p:nvSpPr>
-          <p:cNvPr id="2" name="Título 1">
-            <a:extLst>
-              <a:ext uri="{FF2B5EF4-FFF2-40B4-BE49-F238E27FC236}">
-                <a16:creationId xmlns:a16="http://schemas.microsoft.com/office/drawing/2014/main" id="{B7730A95-37F2-4AFA-92ED-C2BCA6B9F7B2}"/>
-              </a:ext>
-            </a:extLst>
-          </p:cNvPr>
-          <p:cNvSpPr>
-            <a:spLocks noGrp="1"/>
-          </p:cNvSpPr>
-          <p:nvPr>
-            <p:ph type="title"/>
-          </p:nvPr>
-        </p:nvSpPr>
-        <p:spPr>
-          <a:xfrm>
-            <a:off x="1896533" y="624110"/>
-            <a:ext cx="9608079" cy="1280890"/>
-          </a:xfrm>
-        </p:spPr>
-        <p:txBody>
-          <a:bodyPr>
-            <a:normAutofit/>
-          </a:bodyPr>
-          <a:lstStyle/>
-          <a:p>
-            <a:r>
-              <a:rPr lang="es-EC" sz="2000" dirty="0"/>
-              <a:t>Requerimientos Funcionales </a:t>
-            </a:r>
-            <a:br>
-              <a:rPr lang="es-EC" sz="2000" dirty="0"/>
-            </a:br>
-            <a:r>
-              <a:rPr lang="es-EC" sz="2000" dirty="0"/>
-              <a:t>2.1. Creación de Clientes</a:t>
-            </a:r>
-          </a:p>
-        </p:txBody>
-      </p:sp>
-      <p:sp>
-        <p:nvSpPr>
-          <p:cNvPr id="3" name="Marcador de contenido 2">
-            <a:extLst>
-              <a:ext uri="{FF2B5EF4-FFF2-40B4-BE49-F238E27FC236}">
-                <a16:creationId xmlns:a16="http://schemas.microsoft.com/office/drawing/2014/main" id="{1317B0DB-BD50-4614-940D-5ADC68648234}"/>
-              </a:ext>
-            </a:extLst>
-          </p:cNvPr>
-          <p:cNvSpPr>
-            <a:spLocks noGrp="1"/>
-          </p:cNvSpPr>
-          <p:nvPr>
-            <p:ph idx="1"/>
-          </p:nvPr>
-        </p:nvSpPr>
-        <p:spPr>
-          <a:xfrm>
-            <a:off x="1693333" y="2133600"/>
-            <a:ext cx="9811279" cy="3777622"/>
-          </a:xfrm>
-        </p:spPr>
-        <p:txBody>
-          <a:bodyPr/>
-          <a:lstStyle/>
-          <a:p>
-            <a:r>
-              <a:rPr lang="es-ES" dirty="0"/>
-              <a:t>RF1: El sistema debe permitir al administrador crear una nueva cuenta de cliente, ingresando información básica como: </a:t>
-            </a:r>
-          </a:p>
-          <a:p>
-            <a:r>
-              <a:rPr lang="es-EC" dirty="0"/>
-              <a:t>Nombre completo. </a:t>
-            </a:r>
-          </a:p>
-          <a:p>
-            <a:r>
-              <a:rPr lang="es-EC" dirty="0"/>
-              <a:t>Dirección de correo electrónico. </a:t>
-            </a:r>
-          </a:p>
-          <a:p>
-            <a:r>
-              <a:rPr lang="es-EC" dirty="0"/>
-              <a:t>Número de teléfono. </a:t>
-            </a:r>
-          </a:p>
-          <a:p>
-            <a:r>
-              <a:rPr lang="es-EC" dirty="0"/>
-              <a:t>Dirección física. </a:t>
-            </a:r>
-          </a:p>
-          <a:p>
-            <a:r>
-              <a:rPr lang="es-EC" dirty="0"/>
-              <a:t>Fecha de nacimiento (opcional).</a:t>
-            </a:r>
-          </a:p>
-        </p:txBody>
-      </p:sp>
-    </p:spTree>
-    <p:extLst>
-      <p:ext uri="{BB962C8B-B14F-4D97-AF65-F5344CB8AC3E}">
-        <p14:creationId xmlns:p14="http://schemas.microsoft.com/office/powerpoint/2010/main" val="2343730151"/>
-      </p:ext>
-    </p:extLst>
-  </p:cSld>
-  <p:clrMapOvr>
-    <a:masterClrMapping/>
-  </p:clrMapOvr>
-</p:sld>
-</file>
-
-<file path=ppt/slides/slide15.xml><?xml version="1.0" encoding="utf-8"?>
-<p:sld xmlns:a="http://schemas.openxmlformats.org/drawingml/2006/main" xmlns:r="http://schemas.openxmlformats.org/officeDocument/2006/relationships" xmlns:p="http://schemas.openxmlformats.org/presentationml/2006/main">
-  <p:cSld>
-    <p:spTree>
-      <p:nvGrpSpPr>
-        <p:cNvPr id="1" name=""/>
-        <p:cNvGrpSpPr/>
-        <p:nvPr/>
-      </p:nvGrpSpPr>
-      <p:grpSpPr>
-        <a:xfrm>
-          <a:off x="0" y="0"/>
-          <a:ext cx="0" cy="0"/>
-          <a:chOff x="0" y="0"/>
-          <a:chExt cx="0" cy="0"/>
-        </a:xfrm>
-      </p:grpSpPr>
-      <p:sp>
-        <p:nvSpPr>
-          <p:cNvPr id="3" name="Marcador de contenido 2">
-            <a:extLst>
-              <a:ext uri="{FF2B5EF4-FFF2-40B4-BE49-F238E27FC236}">
-                <a16:creationId xmlns:a16="http://schemas.microsoft.com/office/drawing/2014/main" id="{84AAFB8D-25D5-43C7-A91F-B738A5CB8BBC}"/>
-              </a:ext>
-            </a:extLst>
-          </p:cNvPr>
-          <p:cNvSpPr>
-            <a:spLocks noGrp="1"/>
-          </p:cNvSpPr>
-          <p:nvPr>
-            <p:ph idx="1"/>
-          </p:nvPr>
-        </p:nvSpPr>
-        <p:spPr>
-          <a:xfrm>
-            <a:off x="1134533" y="1405467"/>
-            <a:ext cx="10370079" cy="4505755"/>
-          </a:xfrm>
-        </p:spPr>
-        <p:txBody>
-          <a:bodyPr/>
-          <a:lstStyle/>
-          <a:p>
-            <a:r>
-              <a:rPr lang="es-ES" dirty="0"/>
-              <a:t>RF2: El sistema debe enviar un correo electrónico de bienvenida al cliente cuando se crea una nueva cuenta. </a:t>
-            </a:r>
-          </a:p>
-          <a:p>
-            <a:r>
-              <a:rPr lang="es-ES" dirty="0"/>
-              <a:t>2.2. Lectura y Visualización de Información de Clientes </a:t>
-            </a:r>
-          </a:p>
-          <a:p>
-            <a:r>
-              <a:rPr lang="es-ES" dirty="0"/>
-              <a:t>RF3: El sistema debe permitir al administrador visualizar una lista completa de clientes registrados, mostrando información relevante como: </a:t>
-            </a:r>
-          </a:p>
-          <a:p>
-            <a:r>
-              <a:rPr lang="es-EC" dirty="0"/>
-              <a:t>Nombre completo. </a:t>
-            </a:r>
-          </a:p>
-          <a:p>
-            <a:r>
-              <a:rPr lang="es-EC" dirty="0"/>
-              <a:t>Dirección de correo electrónico. </a:t>
-            </a:r>
-          </a:p>
-          <a:p>
-            <a:r>
-              <a:rPr lang="es-EC" dirty="0"/>
-              <a:t>Número de teléfono.</a:t>
-            </a:r>
-          </a:p>
-        </p:txBody>
-      </p:sp>
-    </p:spTree>
-    <p:extLst>
-      <p:ext uri="{BB962C8B-B14F-4D97-AF65-F5344CB8AC3E}">
-        <p14:creationId xmlns:p14="http://schemas.microsoft.com/office/powerpoint/2010/main" val="3863709571"/>
-      </p:ext>
-    </p:extLst>
-  </p:cSld>
-  <p:clrMapOvr>
-    <a:masterClrMapping/>
-  </p:clrMapOvr>
-</p:sld>
-</file>
-
-<file path=ppt/slides/slide16.xml><?xml version="1.0" encoding="utf-8"?>
-<p:sld xmlns:a="http://schemas.openxmlformats.org/drawingml/2006/main" xmlns:r="http://schemas.openxmlformats.org/officeDocument/2006/relationships" xmlns:p="http://schemas.openxmlformats.org/presentationml/2006/main">
-  <p:cSld>
-    <p:spTree>
-      <p:nvGrpSpPr>
-        <p:cNvPr id="1" name=""/>
-        <p:cNvGrpSpPr/>
-        <p:nvPr/>
-      </p:nvGrpSpPr>
-      <p:grpSpPr>
-        <a:xfrm>
-          <a:off x="0" y="0"/>
-          <a:ext cx="0" cy="0"/>
-          <a:chOff x="0" y="0"/>
-          <a:chExt cx="0" cy="0"/>
-        </a:xfrm>
-      </p:grpSpPr>
-      <p:sp>
-        <p:nvSpPr>
-          <p:cNvPr id="2" name="Título 1">
-            <a:extLst>
-              <a:ext uri="{FF2B5EF4-FFF2-40B4-BE49-F238E27FC236}">
-                <a16:creationId xmlns:a16="http://schemas.microsoft.com/office/drawing/2014/main" id="{EB2C44E8-1366-4C56-AD44-49FB6AED4740}"/>
-              </a:ext>
-            </a:extLst>
-          </p:cNvPr>
-          <p:cNvSpPr>
-            <a:spLocks noGrp="1"/>
-          </p:cNvSpPr>
-          <p:nvPr>
-            <p:ph type="title"/>
-          </p:nvPr>
-        </p:nvSpPr>
-        <p:spPr>
-          <a:xfrm>
-            <a:off x="1744133" y="624110"/>
-            <a:ext cx="9760479" cy="1280890"/>
-          </a:xfrm>
-        </p:spPr>
-        <p:txBody>
-          <a:bodyPr>
-            <a:normAutofit/>
-          </a:bodyPr>
-          <a:lstStyle/>
-          <a:p>
-            <a:r>
-              <a:rPr lang="es-ES" sz="2000" dirty="0"/>
-              <a:t>Actualización de Información de Clientes</a:t>
-            </a:r>
             <a:endParaRPr lang="es-EC" sz="2000" dirty="0"/>
           </a:p>
         </p:txBody>
@@ -8568,76 +8328,87 @@
         </p:nvSpPr>
         <p:spPr>
           <a:xfrm>
-            <a:off x="1100667" y="2133599"/>
-            <a:ext cx="10403945" cy="4453467"/>
+            <a:off x="1100667" y="745067"/>
+            <a:ext cx="10403945" cy="5841999"/>
           </a:xfrm>
         </p:spPr>
         <p:txBody>
           <a:bodyPr>
-            <a:normAutofit fontScale="85000" lnSpcReduction="10000"/>
+            <a:normAutofit lnSpcReduction="10000"/>
           </a:bodyPr>
           <a:lstStyle/>
           <a:p>
+            <a:pPr algn="just">
+              <a:lnSpc>
+                <a:spcPct val="160000"/>
+              </a:lnSpc>
+            </a:pPr>
             <a:r>
               <a:rPr lang="es-ES" dirty="0"/>
               <a:t>RF3: El sistema debe permitir al administrador actualizar la información de un cliente, incluyendo: </a:t>
             </a:r>
           </a:p>
           <a:p>
+            <a:pPr algn="just">
+              <a:lnSpc>
+                <a:spcPct val="160000"/>
+              </a:lnSpc>
+            </a:pPr>
             <a:r>
               <a:rPr lang="es-EC" dirty="0"/>
-              <a:t>Nombre completo. </a:t>
-            </a:r>
-          </a:p>
-          <a:p>
-            <a:r>
-              <a:rPr lang="es-EC" dirty="0"/>
-              <a:t>Dirección de correo electrónico. </a:t>
-            </a:r>
-          </a:p>
-          <a:p>
-            <a:r>
-              <a:rPr lang="es-EC" dirty="0"/>
-              <a:t>Número de teléfono. </a:t>
-            </a:r>
-          </a:p>
-          <a:p>
-            <a:r>
-              <a:rPr lang="es-EC" dirty="0"/>
-              <a:t>Dirección física. </a:t>
-            </a:r>
-          </a:p>
-          <a:p>
+              <a:t>Nombre completo, Dirección de correo electrónico, Número de teléfono y Dirección física. </a:t>
+            </a:r>
+          </a:p>
+          <a:p>
+            <a:pPr algn="just">
+              <a:lnSpc>
+                <a:spcPct val="160000"/>
+              </a:lnSpc>
+            </a:pPr>
             <a:r>
               <a:rPr lang="es-ES" dirty="0"/>
-              <a:t>RF7: El sistema debe permitir al administrador cambiar el estado de la cuenta del cliente (por ejemplo, de activo a inactivo o suspendido). </a:t>
-            </a:r>
-          </a:p>
-          <a:p>
+              <a:t>RF7: El sistema debe permitir al administrador cambiar el estado de la cuenta del cliente </a:t>
+            </a:r>
+          </a:p>
+          <a:p>
+            <a:pPr algn="just">
+              <a:lnSpc>
+                <a:spcPct val="160000"/>
+              </a:lnSpc>
+            </a:pPr>
             <a:r>
               <a:rPr lang="es-ES" dirty="0"/>
               <a:t>RF8: El sistema debe registrar todas las modificaciones realizadas en la cuenta de un cliente, guardando un historial de cambios con fecha y hora. </a:t>
             </a:r>
           </a:p>
           <a:p>
-            <a:r>
-              <a:rPr lang="es-EC" dirty="0"/>
-              <a:t>2.4. Eliminación de Clientes </a:t>
-            </a:r>
-          </a:p>
-          <a:p>
+            <a:pPr algn="just">
+              <a:lnSpc>
+                <a:spcPct val="160000"/>
+              </a:lnSpc>
+            </a:pPr>
             <a:r>
               <a:rPr lang="es-ES" dirty="0"/>
               <a:t>RF9: El sistema debe permitir al administrador eliminar una cuenta de cliente, con las siguientes consideraciones: </a:t>
             </a:r>
           </a:p>
           <a:p>
+            <a:pPr algn="just">
+              <a:lnSpc>
+                <a:spcPct val="160000"/>
+              </a:lnSpc>
+            </a:pPr>
             <a:r>
               <a:rPr lang="es-ES" dirty="0"/>
               <a:t>Confirmación previa por parte del administrador antes de proceder con la eliminación. </a:t>
             </a:r>
           </a:p>
           <a:p>
+            <a:pPr algn="just">
+              <a:lnSpc>
+                <a:spcPct val="160000"/>
+              </a:lnSpc>
+            </a:pPr>
             <a:r>
               <a:rPr lang="es-ES" dirty="0"/>
               <a:t>Registro de la eliminación en un historial que incluya la razón de la eliminación (si aplica) y la fecha de eliminación</a:t>
@@ -8659,7 +8430,7 @@
 </p:sld>
 </file>
 
-<file path=ppt/slides/slide17.xml><?xml version="1.0" encoding="utf-8"?>
+<file path=ppt/slides/slide14.xml><?xml version="1.0" encoding="utf-8"?>
 <p:sld xmlns:a="http://schemas.openxmlformats.org/drawingml/2006/main" xmlns:r="http://schemas.openxmlformats.org/officeDocument/2006/relationships" xmlns:p="http://schemas.openxmlformats.org/presentationml/2006/main">
   <p:cSld>
     <p:spTree>
@@ -8753,7 +8524,7 @@
 </p:sld>
 </file>
 
-<file path=ppt/slides/slide18.xml><?xml version="1.0" encoding="utf-8"?>
+<file path=ppt/slides/slide15.xml><?xml version="1.0" encoding="utf-8"?>
 <p:sld xmlns:a="http://schemas.openxmlformats.org/drawingml/2006/main" xmlns:r="http://schemas.openxmlformats.org/officeDocument/2006/relationships" xmlns:p="http://schemas.openxmlformats.org/presentationml/2006/main">
   <p:cSld>
     <p:spTree>
@@ -8847,7 +8618,161 @@
 </p:sld>
 </file>
 
-<file path=ppt/slides/slide19.xml><?xml version="1.0" encoding="utf-8"?>
+<file path=ppt/slides/slide16.xml><?xml version="1.0" encoding="utf-8"?>
+<p:sld xmlns:a="http://schemas.openxmlformats.org/drawingml/2006/main" xmlns:r="http://schemas.openxmlformats.org/officeDocument/2006/relationships" xmlns:p="http://schemas.openxmlformats.org/presentationml/2006/main">
+  <p:cSld>
+    <p:spTree>
+      <p:nvGrpSpPr>
+        <p:cNvPr id="1" name=""/>
+        <p:cNvGrpSpPr/>
+        <p:nvPr/>
+      </p:nvGrpSpPr>
+      <p:grpSpPr>
+        <a:xfrm>
+          <a:off x="0" y="0"/>
+          <a:ext cx="0" cy="0"/>
+          <a:chOff x="0" y="0"/>
+          <a:chExt cx="0" cy="0"/>
+        </a:xfrm>
+      </p:grpSpPr>
+      <p:sp>
+        <p:nvSpPr>
+          <p:cNvPr id="2" name="Título 1">
+            <a:extLst>
+              <a:ext uri="{FF2B5EF4-FFF2-40B4-BE49-F238E27FC236}">
+                <a16:creationId xmlns:a16="http://schemas.microsoft.com/office/drawing/2014/main" id="{4BCF3234-8D47-4493-B717-49CAB7BAED0F}"/>
+              </a:ext>
+            </a:extLst>
+          </p:cNvPr>
+          <p:cNvSpPr>
+            <a:spLocks noGrp="1"/>
+          </p:cNvSpPr>
+          <p:nvPr>
+            <p:ph type="title"/>
+          </p:nvPr>
+        </p:nvSpPr>
+        <p:spPr/>
+        <p:txBody>
+          <a:bodyPr/>
+          <a:lstStyle/>
+          <a:p>
+            <a:r>
+              <a:rPr lang="es-EC" sz="1800" b="1" kern="100" dirty="0">
+                <a:solidFill>
+                  <a:srgbClr val="000000"/>
+                </a:solidFill>
+                <a:effectLst/>
+                <a:latin typeface="Times New Roman" panose="02020603050405020304" pitchFamily="18" charset="0"/>
+                <a:ea typeface="Aptos"/>
+                <a:cs typeface="Times New Roman" panose="02020603050405020304" pitchFamily="18" charset="0"/>
+              </a:rPr>
+              <a:t>Problemática</a:t>
+            </a:r>
+            <a:r>
+              <a:rPr lang="es-EC" sz="1800" b="1" kern="100" spc="-25" dirty="0">
+                <a:solidFill>
+                  <a:srgbClr val="000000"/>
+                </a:solidFill>
+                <a:effectLst/>
+                <a:latin typeface="Times New Roman" panose="02020603050405020304" pitchFamily="18" charset="0"/>
+                <a:ea typeface="Aptos"/>
+                <a:cs typeface="Times New Roman" panose="02020603050405020304" pitchFamily="18" charset="0"/>
+              </a:rPr>
+              <a:t> </a:t>
+            </a:r>
+            <a:r>
+              <a:rPr lang="es-EC" sz="1800" b="1" kern="100" dirty="0">
+                <a:solidFill>
+                  <a:srgbClr val="000000"/>
+                </a:solidFill>
+                <a:effectLst/>
+                <a:latin typeface="Times New Roman" panose="02020603050405020304" pitchFamily="18" charset="0"/>
+                <a:ea typeface="Aptos"/>
+                <a:cs typeface="Times New Roman" panose="02020603050405020304" pitchFamily="18" charset="0"/>
+              </a:rPr>
+              <a:t>Analizada:</a:t>
+            </a:r>
+            <a:br>
+              <a:rPr lang="es-EC" sz="1800" kern="100" dirty="0">
+                <a:effectLst/>
+                <a:latin typeface="Aptos"/>
+                <a:ea typeface="Aptos"/>
+                <a:cs typeface="Times New Roman" panose="02020603050405020304" pitchFamily="18" charset="0"/>
+              </a:rPr>
+            </a:br>
+            <a:endParaRPr lang="es-EC" dirty="0"/>
+          </a:p>
+        </p:txBody>
+      </p:sp>
+      <p:sp>
+        <p:nvSpPr>
+          <p:cNvPr id="3" name="Marcador de contenido 2">
+            <a:extLst>
+              <a:ext uri="{FF2B5EF4-FFF2-40B4-BE49-F238E27FC236}">
+                <a16:creationId xmlns:a16="http://schemas.microsoft.com/office/drawing/2014/main" id="{B3B4F22E-0140-4BA0-B370-7598A68E96AB}"/>
+              </a:ext>
+            </a:extLst>
+          </p:cNvPr>
+          <p:cNvSpPr>
+            <a:spLocks noGrp="1"/>
+          </p:cNvSpPr>
+          <p:nvPr>
+            <p:ph idx="1"/>
+          </p:nvPr>
+        </p:nvSpPr>
+        <p:spPr/>
+        <p:txBody>
+          <a:bodyPr/>
+          <a:lstStyle/>
+          <a:p>
+            <a:endParaRPr lang="es-EC"/>
+          </a:p>
+        </p:txBody>
+      </p:sp>
+      <p:pic>
+        <p:nvPicPr>
+          <p:cNvPr id="5" name="Imagen 4">
+            <a:extLst>
+              <a:ext uri="{FF2B5EF4-FFF2-40B4-BE49-F238E27FC236}">
+                <a16:creationId xmlns:a16="http://schemas.microsoft.com/office/drawing/2014/main" id="{A5CCF0EC-2DE1-47F2-86AB-B885CE1A3CA5}"/>
+              </a:ext>
+            </a:extLst>
+          </p:cNvPr>
+          <p:cNvPicPr>
+            <a:picLocks noChangeAspect="1"/>
+          </p:cNvPicPr>
+          <p:nvPr/>
+        </p:nvPicPr>
+        <p:blipFill>
+          <a:blip r:embed="rId2"/>
+          <a:stretch>
+            <a:fillRect/>
+          </a:stretch>
+        </p:blipFill>
+        <p:spPr>
+          <a:xfrm>
+            <a:off x="2600325" y="585787"/>
+            <a:ext cx="6991350" cy="5686425"/>
+          </a:xfrm>
+          <a:prstGeom prst="rect">
+            <a:avLst/>
+          </a:prstGeom>
+        </p:spPr>
+      </p:pic>
+    </p:spTree>
+    <p:extLst>
+      <p:ext uri="{BB962C8B-B14F-4D97-AF65-F5344CB8AC3E}">
+        <p14:creationId xmlns:p14="http://schemas.microsoft.com/office/powerpoint/2010/main" val="643839564"/>
+      </p:ext>
+    </p:extLst>
+  </p:cSld>
+  <p:clrMapOvr>
+    <a:masterClrMapping/>
+  </p:clrMapOvr>
+</p:sld>
+</file>
+
+<file path=ppt/slides/slide17.xml><?xml version="1.0" encoding="utf-8"?>
 <p:sld xmlns:a="http://schemas.openxmlformats.org/drawingml/2006/main" xmlns:r="http://schemas.openxmlformats.org/officeDocument/2006/relationships" xmlns:p="http://schemas.openxmlformats.org/presentationml/2006/main">
   <p:cSld>
     <p:spTree>
@@ -8941,6 +8866,200 @@
 </p:sld>
 </file>
 
+<file path=ppt/slides/slide18.xml><?xml version="1.0" encoding="utf-8"?>
+<p:sld xmlns:a="http://schemas.openxmlformats.org/drawingml/2006/main" xmlns:r="http://schemas.openxmlformats.org/officeDocument/2006/relationships" xmlns:p="http://schemas.openxmlformats.org/presentationml/2006/main">
+  <p:cSld>
+    <p:spTree>
+      <p:nvGrpSpPr>
+        <p:cNvPr id="1" name=""/>
+        <p:cNvGrpSpPr/>
+        <p:nvPr/>
+      </p:nvGrpSpPr>
+      <p:grpSpPr>
+        <a:xfrm>
+          <a:off x="0" y="0"/>
+          <a:ext cx="0" cy="0"/>
+          <a:chOff x="0" y="0"/>
+          <a:chExt cx="0" cy="0"/>
+        </a:xfrm>
+      </p:grpSpPr>
+      <p:sp>
+        <p:nvSpPr>
+          <p:cNvPr id="2" name="Título 1">
+            <a:extLst>
+              <a:ext uri="{FF2B5EF4-FFF2-40B4-BE49-F238E27FC236}">
+                <a16:creationId xmlns:a16="http://schemas.microsoft.com/office/drawing/2014/main" id="{2189A507-2DB8-46EF-91F4-8545CE32EF40}"/>
+              </a:ext>
+            </a:extLst>
+          </p:cNvPr>
+          <p:cNvSpPr>
+            <a:spLocks noGrp="1"/>
+          </p:cNvSpPr>
+          <p:nvPr>
+            <p:ph type="title"/>
+          </p:nvPr>
+        </p:nvSpPr>
+        <p:spPr/>
+        <p:txBody>
+          <a:bodyPr/>
+          <a:lstStyle/>
+          <a:p>
+            <a:endParaRPr lang="es-EC"/>
+          </a:p>
+        </p:txBody>
+      </p:sp>
+      <p:sp>
+        <p:nvSpPr>
+          <p:cNvPr id="3" name="Marcador de contenido 2">
+            <a:extLst>
+              <a:ext uri="{FF2B5EF4-FFF2-40B4-BE49-F238E27FC236}">
+                <a16:creationId xmlns:a16="http://schemas.microsoft.com/office/drawing/2014/main" id="{D7017D10-E8F0-4300-A80D-FEE32430385B}"/>
+              </a:ext>
+            </a:extLst>
+          </p:cNvPr>
+          <p:cNvSpPr>
+            <a:spLocks noGrp="1"/>
+          </p:cNvSpPr>
+          <p:nvPr>
+            <p:ph idx="1"/>
+          </p:nvPr>
+        </p:nvSpPr>
+        <p:spPr/>
+        <p:txBody>
+          <a:bodyPr/>
+          <a:lstStyle/>
+          <a:p>
+            <a:endParaRPr lang="es-EC"/>
+          </a:p>
+        </p:txBody>
+      </p:sp>
+      <p:pic>
+        <p:nvPicPr>
+          <p:cNvPr id="5" name="Imagen 4">
+            <a:extLst>
+              <a:ext uri="{FF2B5EF4-FFF2-40B4-BE49-F238E27FC236}">
+                <a16:creationId xmlns:a16="http://schemas.microsoft.com/office/drawing/2014/main" id="{940F7A71-79B8-4AAE-A7CD-679AFFD4D47D}"/>
+              </a:ext>
+            </a:extLst>
+          </p:cNvPr>
+          <p:cNvPicPr>
+            <a:picLocks noChangeAspect="1"/>
+          </p:cNvPicPr>
+          <p:nvPr/>
+        </p:nvPicPr>
+        <p:blipFill>
+          <a:blip r:embed="rId2"/>
+          <a:stretch>
+            <a:fillRect/>
+          </a:stretch>
+        </p:blipFill>
+        <p:spPr>
+          <a:xfrm>
+            <a:off x="2800350" y="881062"/>
+            <a:ext cx="6591300" cy="5095875"/>
+          </a:xfrm>
+          <a:prstGeom prst="rect">
+            <a:avLst/>
+          </a:prstGeom>
+        </p:spPr>
+      </p:pic>
+    </p:spTree>
+    <p:extLst>
+      <p:ext uri="{BB962C8B-B14F-4D97-AF65-F5344CB8AC3E}">
+        <p14:creationId xmlns:p14="http://schemas.microsoft.com/office/powerpoint/2010/main" val="2630026309"/>
+      </p:ext>
+    </p:extLst>
+  </p:cSld>
+  <p:clrMapOvr>
+    <a:masterClrMapping/>
+  </p:clrMapOvr>
+</p:sld>
+</file>
+
+<file path=ppt/slides/slide19.xml><?xml version="1.0" encoding="utf-8"?>
+<p:sld xmlns:a="http://schemas.openxmlformats.org/drawingml/2006/main" xmlns:r="http://schemas.openxmlformats.org/officeDocument/2006/relationships" xmlns:p="http://schemas.openxmlformats.org/presentationml/2006/main">
+  <p:cSld>
+    <p:spTree>
+      <p:nvGrpSpPr>
+        <p:cNvPr id="1" name=""/>
+        <p:cNvGrpSpPr/>
+        <p:nvPr/>
+      </p:nvGrpSpPr>
+      <p:grpSpPr>
+        <a:xfrm>
+          <a:off x="0" y="0"/>
+          <a:ext cx="0" cy="0"/>
+          <a:chOff x="0" y="0"/>
+          <a:chExt cx="0" cy="0"/>
+        </a:xfrm>
+      </p:grpSpPr>
+      <p:sp>
+        <p:nvSpPr>
+          <p:cNvPr id="2" name="Título 1">
+            <a:extLst>
+              <a:ext uri="{FF2B5EF4-FFF2-40B4-BE49-F238E27FC236}">
+                <a16:creationId xmlns:a16="http://schemas.microsoft.com/office/drawing/2014/main" id="{0E6AE867-E660-4559-9A9C-DB5DB90F4DB3}"/>
+              </a:ext>
+            </a:extLst>
+          </p:cNvPr>
+          <p:cNvSpPr>
+            <a:spLocks noGrp="1"/>
+          </p:cNvSpPr>
+          <p:nvPr>
+            <p:ph type="title"/>
+          </p:nvPr>
+        </p:nvSpPr>
+        <p:spPr/>
+        <p:txBody>
+          <a:bodyPr/>
+          <a:lstStyle/>
+          <a:p>
+            <a:endParaRPr lang="es-EC"/>
+          </a:p>
+        </p:txBody>
+      </p:sp>
+      <p:pic>
+        <p:nvPicPr>
+          <p:cNvPr id="5" name="Marcador de contenido 4">
+            <a:extLst>
+              <a:ext uri="{FF2B5EF4-FFF2-40B4-BE49-F238E27FC236}">
+                <a16:creationId xmlns:a16="http://schemas.microsoft.com/office/drawing/2014/main" id="{E6B90A2E-BC36-4D3D-B1DD-E8C506E7C7E1}"/>
+              </a:ext>
+            </a:extLst>
+          </p:cNvPr>
+          <p:cNvPicPr>
+            <a:picLocks noGrp="1" noChangeAspect="1"/>
+          </p:cNvPicPr>
+          <p:nvPr>
+            <p:ph idx="1"/>
+          </p:nvPr>
+        </p:nvPicPr>
+        <p:blipFill>
+          <a:blip r:embed="rId2"/>
+          <a:stretch>
+            <a:fillRect/>
+          </a:stretch>
+        </p:blipFill>
+        <p:spPr>
+          <a:xfrm>
+            <a:off x="2592925" y="734176"/>
+            <a:ext cx="6669608" cy="5084751"/>
+          </a:xfrm>
+        </p:spPr>
+      </p:pic>
+    </p:spTree>
+    <p:extLst>
+      <p:ext uri="{BB962C8B-B14F-4D97-AF65-F5344CB8AC3E}">
+        <p14:creationId xmlns:p14="http://schemas.microsoft.com/office/powerpoint/2010/main" val="2183037775"/>
+      </p:ext>
+    </p:extLst>
+  </p:cSld>
+  <p:clrMapOvr>
+    <a:masterClrMapping/>
+  </p:clrMapOvr>
+</p:sld>
+</file>
+
 <file path=ppt/slides/slide2.xml><?xml version="1.0" encoding="utf-8"?>
 <p:sld xmlns:a="http://schemas.openxmlformats.org/drawingml/2006/main" xmlns:r="http://schemas.openxmlformats.org/officeDocument/2006/relationships" xmlns:p="http://schemas.openxmlformats.org/presentationml/2006/main">
   <p:cSld>
@@ -9011,18 +9130,19 @@
           <a:bodyPr/>
           <a:lstStyle/>
           <a:p>
-            <a:pPr algn="just"/>
+            <a:pPr algn="just">
+              <a:lnSpc>
+                <a:spcPct val="150000"/>
+              </a:lnSpc>
+            </a:pPr>
             <a:r>
               <a:rPr lang="es-ES" dirty="0" err="1"/>
               <a:t>Kaycosmetis,ec</a:t>
             </a:r>
             <a:r>
               <a:rPr lang="es-ES" dirty="0"/>
-              <a:t> es un área enfocada en la exploración y desarrollo en la venta de perfumería. Su objetivo es crear interfaces de usuario agradables de usar, que proporcionen una experiencia amena para los usuarios y fomenten la compra del producto. Esta área cubre aspectos relacionados con el diseño de interfaces, tales como usabilidad, accesibilidad, experiencia de usuario y ergonomía.</a:t>
-            </a:r>
-            <a:endParaRPr lang="es-EC" dirty="0"/>
-          </a:p>
-          <a:p>
+              <a:t> es un área enfocada en la exploración y desarrollo en la venta de perfumería. Su objetivo es crear interfaces de usuario agradables de usar, que proporcionen una experiencia amena para los usuarios y fomenten la compra del producto. </a:t>
+            </a:r>
             <a:endParaRPr lang="es-EC" dirty="0"/>
           </a:p>
           <a:p>
@@ -9816,7 +9936,12 @@
             <p:ph idx="1"/>
           </p:nvPr>
         </p:nvSpPr>
-        <p:spPr/>
+        <p:spPr>
+          <a:xfrm>
+            <a:off x="1151467" y="2133600"/>
+            <a:ext cx="10353145" cy="3777622"/>
+          </a:xfrm>
+        </p:spPr>
         <p:txBody>
           <a:bodyPr/>
           <a:lstStyle/>
@@ -9950,7 +10075,7 @@
           <p:cNvPr id="2" name="Título 1">
             <a:extLst>
               <a:ext uri="{FF2B5EF4-FFF2-40B4-BE49-F238E27FC236}">
-                <a16:creationId xmlns:a16="http://schemas.microsoft.com/office/drawing/2014/main" id="{4BCF3234-8D47-4493-B717-49CAB7BAED0F}"/>
+                <a16:creationId xmlns:a16="http://schemas.microsoft.com/office/drawing/2014/main" id="{21B46838-54FF-4C28-AAC3-C2424F8E5996}"/>
               </a:ext>
             </a:extLst>
           </p:cNvPr>
@@ -9961,56 +10086,37 @@
             <p:ph type="title"/>
           </p:nvPr>
         </p:nvSpPr>
-        <p:spPr/>
-        <p:txBody>
-          <a:bodyPr/>
+        <p:spPr>
+          <a:xfrm>
+            <a:off x="745067" y="624110"/>
+            <a:ext cx="10759545" cy="1280890"/>
+          </a:xfrm>
+        </p:spPr>
+        <p:txBody>
+          <a:bodyPr>
+            <a:normAutofit fontScale="90000"/>
+          </a:bodyPr>
           <a:lstStyle/>
           <a:p>
-            <a:r>
-              <a:rPr lang="es-EC" sz="1800" b="1" kern="100" dirty="0">
-                <a:solidFill>
-                  <a:srgbClr val="000000"/>
-                </a:solidFill>
-                <a:effectLst/>
-                <a:latin typeface="Times New Roman" panose="02020603050405020304" pitchFamily="18" charset="0"/>
-                <a:ea typeface="Aptos"/>
-                <a:cs typeface="Times New Roman" panose="02020603050405020304" pitchFamily="18" charset="0"/>
-              </a:rPr>
-              <a:t>Problemática</a:t>
-            </a:r>
-            <a:r>
-              <a:rPr lang="es-EC" sz="1800" b="1" kern="100" spc="-25" dirty="0">
-                <a:solidFill>
-                  <a:srgbClr val="000000"/>
-                </a:solidFill>
-                <a:effectLst/>
-                <a:latin typeface="Times New Roman" panose="02020603050405020304" pitchFamily="18" charset="0"/>
-                <a:ea typeface="Aptos"/>
-                <a:cs typeface="Times New Roman" panose="02020603050405020304" pitchFamily="18" charset="0"/>
-              </a:rPr>
+            <a:br>
+              <a:rPr lang="es-EC" b="1" dirty="0"/>
+            </a:br>
+            <a:r>
+              <a:rPr lang="es-ES" b="1" dirty="0"/>
               <a:t> </a:t>
             </a:r>
             <a:r>
-              <a:rPr lang="es-EC" sz="1800" b="1" kern="100" dirty="0">
-                <a:solidFill>
-                  <a:srgbClr val="000000"/>
-                </a:solidFill>
-                <a:effectLst/>
-                <a:latin typeface="Times New Roman" panose="02020603050405020304" pitchFamily="18" charset="0"/>
-                <a:ea typeface="Aptos"/>
-                <a:cs typeface="Times New Roman" panose="02020603050405020304" pitchFamily="18" charset="0"/>
-              </a:rPr>
-              <a:t>Analizada:</a:t>
+              <a:rPr lang="es-ES" sz="2200" b="1" dirty="0"/>
+              <a:t>Especificación de Requerimientos de Usuario (ERU) </a:t>
             </a:r>
             <a:br>
-              <a:rPr lang="es-EC" sz="1800" kern="100" dirty="0">
-                <a:effectLst/>
-                <a:latin typeface="Aptos"/>
-                <a:ea typeface="Aptos"/>
-                <a:cs typeface="Times New Roman" panose="02020603050405020304" pitchFamily="18" charset="0"/>
-              </a:rPr>
+              <a:rPr lang="es-ES" sz="2200" b="1" dirty="0"/>
             </a:br>
-            <a:endParaRPr lang="es-EC" dirty="0"/>
+            <a:r>
+              <a:rPr lang="es-ES" sz="2200" b="1" dirty="0"/>
+              <a:t>Sistema de Venta de Perfumería con Gestión CRUD de Clientes por Administrador </a:t>
+            </a:r>
+            <a:endParaRPr lang="es-EC" sz="2200" b="1" dirty="0"/>
           </a:p>
         </p:txBody>
       </p:sp>
@@ -10019,7 +10125,7 @@
           <p:cNvPr id="3" name="Marcador de contenido 2">
             <a:extLst>
               <a:ext uri="{FF2B5EF4-FFF2-40B4-BE49-F238E27FC236}">
-                <a16:creationId xmlns:a16="http://schemas.microsoft.com/office/drawing/2014/main" id="{B3B4F22E-0140-4BA0-B370-7598A68E96AB}"/>
+                <a16:creationId xmlns:a16="http://schemas.microsoft.com/office/drawing/2014/main" id="{FD369C78-A414-42E0-9CB9-48DE4BAA3AA6}"/>
               </a:ext>
             </a:extLst>
           </p:cNvPr>
@@ -10030,49 +10136,56 @@
             <p:ph idx="1"/>
           </p:nvPr>
         </p:nvSpPr>
-        <p:spPr/>
+        <p:spPr>
+          <a:xfrm>
+            <a:off x="1168400" y="2133600"/>
+            <a:ext cx="10336212" cy="3777622"/>
+          </a:xfrm>
+        </p:spPr>
         <p:txBody>
           <a:bodyPr/>
           <a:lstStyle/>
           <a:p>
-            <a:endParaRPr lang="es-EC"/>
-          </a:p>
-        </p:txBody>
-      </p:sp>
-      <p:pic>
-        <p:nvPicPr>
-          <p:cNvPr id="5" name="Imagen 4">
-            <a:extLst>
-              <a:ext uri="{FF2B5EF4-FFF2-40B4-BE49-F238E27FC236}">
-                <a16:creationId xmlns:a16="http://schemas.microsoft.com/office/drawing/2014/main" id="{A5CCF0EC-2DE1-47F2-86AB-B885CE1A3CA5}"/>
-              </a:ext>
-            </a:extLst>
-          </p:cNvPr>
-          <p:cNvPicPr>
-            <a:picLocks noChangeAspect="1"/>
-          </p:cNvPicPr>
-          <p:nvPr/>
-        </p:nvPicPr>
-        <p:blipFill>
-          <a:blip r:embed="rId2"/>
-          <a:stretch>
-            <a:fillRect/>
-          </a:stretch>
-        </p:blipFill>
-        <p:spPr>
-          <a:xfrm>
-            <a:off x="2600325" y="585787"/>
-            <a:ext cx="6991350" cy="5686425"/>
-          </a:xfrm>
-          <a:prstGeom prst="rect">
-            <a:avLst/>
-          </a:prstGeom>
-        </p:spPr>
-      </p:pic>
+            <a:pPr algn="just">
+              <a:lnSpc>
+                <a:spcPct val="150000"/>
+              </a:lnSpc>
+            </a:pPr>
+            <a:endParaRPr lang="es-EC" sz="1800" b="0" i="0" u="none" strike="noStrike" baseline="0" dirty="0">
+              <a:solidFill>
+                <a:srgbClr val="000000"/>
+              </a:solidFill>
+              <a:latin typeface="Times New Roman" panose="02020603050405020304" pitchFamily="18" charset="0"/>
+            </a:endParaRPr>
+          </a:p>
+          <a:p>
+            <a:pPr algn="just">
+              <a:lnSpc>
+                <a:spcPct val="150000"/>
+              </a:lnSpc>
+            </a:pPr>
+            <a:r>
+              <a:rPr lang="es-ES" dirty="0"/>
+              <a:t> Propósito: Definir los requisitos y expectativas para un sistema de venta de perfumería que permita a los administradores realizar operaciones CRUD (Crear, Leer, Actualizar, Eliminar) sobre los clientes. </a:t>
+            </a:r>
+          </a:p>
+          <a:p>
+            <a:pPr algn="just">
+              <a:lnSpc>
+                <a:spcPct val="150000"/>
+              </a:lnSpc>
+            </a:pPr>
+            <a:r>
+              <a:rPr lang="es-ES" dirty="0"/>
+              <a:t>Alcance: El sistema se enfocará en proporcionar a los administradores las herramientas necesarias para gestionar clientes de manera eficiente, manteniendo actualizada la base de datos de usuarios. </a:t>
+            </a:r>
+          </a:p>
+        </p:txBody>
+      </p:sp>
     </p:spTree>
     <p:extLst>
       <p:ext uri="{BB962C8B-B14F-4D97-AF65-F5344CB8AC3E}">
-        <p14:creationId xmlns:p14="http://schemas.microsoft.com/office/powerpoint/2010/main" val="643839564"/>
+        <p14:creationId xmlns:p14="http://schemas.microsoft.com/office/powerpoint/2010/main" val="2062933512"/>
       </p:ext>
     </p:extLst>
   </p:cSld>
@@ -10104,7 +10217,7 @@
           <p:cNvPr id="2" name="Título 1">
             <a:extLst>
               <a:ext uri="{FF2B5EF4-FFF2-40B4-BE49-F238E27FC236}">
-                <a16:creationId xmlns:a16="http://schemas.microsoft.com/office/drawing/2014/main" id="{2189A507-2DB8-46EF-91F4-8545CE32EF40}"/>
+                <a16:creationId xmlns:a16="http://schemas.microsoft.com/office/drawing/2014/main" id="{53129334-BB40-4A4B-A43F-85432D0BB2D8}"/>
               </a:ext>
             </a:extLst>
           </p:cNvPr>
@@ -10120,7 +10233,18 @@
           <a:bodyPr/>
           <a:lstStyle/>
           <a:p>
-            <a:endParaRPr lang="es-EC"/>
+            <a:br>
+              <a:rPr lang="es-EC" sz="1800" b="0" i="0" u="none" strike="noStrike" baseline="0" dirty="0">
+                <a:solidFill>
+                  <a:srgbClr val="000000"/>
+                </a:solidFill>
+                <a:latin typeface="Times New Roman" panose="02020603050405020304" pitchFamily="18" charset="0"/>
+              </a:rPr>
+            </a:br>
+            <a:r>
+              <a:rPr lang="es-EC" dirty="0"/>
+              <a:t> Descripción General </a:t>
+            </a:r>
           </a:p>
         </p:txBody>
       </p:sp>
@@ -10129,7 +10253,7 @@
           <p:cNvPr id="3" name="Marcador de contenido 2">
             <a:extLst>
               <a:ext uri="{FF2B5EF4-FFF2-40B4-BE49-F238E27FC236}">
-                <a16:creationId xmlns:a16="http://schemas.microsoft.com/office/drawing/2014/main" id="{D7017D10-E8F0-4300-A80D-FEE32430385B}"/>
+                <a16:creationId xmlns:a16="http://schemas.microsoft.com/office/drawing/2014/main" id="{939D3729-8616-41E9-B0D0-D19A5EC488B9}"/>
               </a:ext>
             </a:extLst>
           </p:cNvPr>
@@ -10145,44 +10269,27 @@
           <a:bodyPr/>
           <a:lstStyle/>
           <a:p>
-            <a:endParaRPr lang="es-EC"/>
-          </a:p>
-        </p:txBody>
-      </p:sp>
-      <p:pic>
-        <p:nvPicPr>
-          <p:cNvPr id="5" name="Imagen 4">
-            <a:extLst>
-              <a:ext uri="{FF2B5EF4-FFF2-40B4-BE49-F238E27FC236}">
-                <a16:creationId xmlns:a16="http://schemas.microsoft.com/office/drawing/2014/main" id="{940F7A71-79B8-4AAE-A7CD-679AFFD4D47D}"/>
-              </a:ext>
-            </a:extLst>
-          </p:cNvPr>
-          <p:cNvPicPr>
-            <a:picLocks noChangeAspect="1"/>
-          </p:cNvPicPr>
-          <p:nvPr/>
-        </p:nvPicPr>
-        <p:blipFill>
-          <a:blip r:embed="rId2"/>
-          <a:stretch>
-            <a:fillRect/>
-          </a:stretch>
-        </p:blipFill>
-        <p:spPr>
-          <a:xfrm>
-            <a:off x="2800350" y="881062"/>
-            <a:ext cx="6591300" cy="5095875"/>
-          </a:xfrm>
-          <a:prstGeom prst="rect">
-            <a:avLst/>
-          </a:prstGeom>
-        </p:spPr>
-      </p:pic>
+            <a:pPr algn="l"/>
+            <a:endParaRPr lang="es-EC" dirty="0"/>
+          </a:p>
+          <a:p>
+            <a:pPr algn="just">
+              <a:lnSpc>
+                <a:spcPct val="150000"/>
+              </a:lnSpc>
+            </a:pPr>
+            <a:r>
+              <a:rPr lang="es-ES" dirty="0"/>
+              <a:t> Visión del sistema: El sistema permitirá a los administradores realizar una gestión completa de los clientes, incluyendo la creación de cuentas, actualización de información, visualización de datos, y eliminación de usuarios cuando sea necesario. </a:t>
+            </a:r>
+            <a:endParaRPr lang="es-EC" dirty="0"/>
+          </a:p>
+        </p:txBody>
+      </p:sp>
     </p:spTree>
     <p:extLst>
       <p:ext uri="{BB962C8B-B14F-4D97-AF65-F5344CB8AC3E}">
-        <p14:creationId xmlns:p14="http://schemas.microsoft.com/office/powerpoint/2010/main" val="2630026309"/>
+        <p14:creationId xmlns:p14="http://schemas.microsoft.com/office/powerpoint/2010/main" val="1029300082"/>
       </p:ext>
     </p:extLst>
   </p:cSld>
@@ -10214,7 +10321,7 @@
           <p:cNvPr id="2" name="Título 1">
             <a:extLst>
               <a:ext uri="{FF2B5EF4-FFF2-40B4-BE49-F238E27FC236}">
-                <a16:creationId xmlns:a16="http://schemas.microsoft.com/office/drawing/2014/main" id="{0E6AE867-E660-4559-9A9C-DB5DB90F4DB3}"/>
+                <a16:creationId xmlns:a16="http://schemas.microsoft.com/office/drawing/2014/main" id="{89D21BEF-EA11-4854-B5FF-D4AF6F019903}"/>
               </a:ext>
             </a:extLst>
           </p:cNvPr>
@@ -10225,48 +10332,115 @@
             <p:ph type="title"/>
           </p:nvPr>
         </p:nvSpPr>
-        <p:spPr/>
-        <p:txBody>
-          <a:bodyPr/>
+        <p:spPr>
+          <a:xfrm>
+            <a:off x="1388533" y="624110"/>
+            <a:ext cx="10116079" cy="1280890"/>
+          </a:xfrm>
+        </p:spPr>
+        <p:txBody>
+          <a:bodyPr>
+            <a:noAutofit/>
+          </a:bodyPr>
           <a:lstStyle/>
           <a:p>
-            <a:endParaRPr lang="es-EC"/>
-          </a:p>
-        </p:txBody>
-      </p:sp>
-      <p:pic>
-        <p:nvPicPr>
-          <p:cNvPr id="5" name="Marcador de contenido 4">
+            <a:br>
+              <a:rPr lang="es-EC" sz="2000" dirty="0"/>
+            </a:br>
+            <a:r>
+              <a:rPr lang="es-EC" sz="2000" dirty="0"/>
+              <a:t> Requerimientos Funcionales </a:t>
+            </a:r>
+            <a:br>
+              <a:rPr lang="es-EC" sz="2000" dirty="0"/>
+            </a:br>
+            <a:r>
+              <a:rPr lang="es-ES" sz="2000" dirty="0"/>
+              <a:t>Funcionalidades CRUD para el Administrador en el Manejo de Clientes </a:t>
+            </a:r>
+            <a:br>
+              <a:rPr lang="es-ES" sz="2000" dirty="0"/>
+            </a:br>
+            <a:endParaRPr lang="es-EC" sz="2000" dirty="0"/>
+          </a:p>
+        </p:txBody>
+      </p:sp>
+      <p:sp>
+        <p:nvSpPr>
+          <p:cNvPr id="3" name="Marcador de contenido 2">
             <a:extLst>
               <a:ext uri="{FF2B5EF4-FFF2-40B4-BE49-F238E27FC236}">
-                <a16:creationId xmlns:a16="http://schemas.microsoft.com/office/drawing/2014/main" id="{E6B90A2E-BC36-4D3D-B1DD-E8C506E7C7E1}"/>
+                <a16:creationId xmlns:a16="http://schemas.microsoft.com/office/drawing/2014/main" id="{1C7282DD-6A63-4C8B-A565-5273EE1A4FCA}"/>
               </a:ext>
             </a:extLst>
           </p:cNvPr>
-          <p:cNvPicPr>
-            <a:picLocks noGrp="1" noChangeAspect="1"/>
-          </p:cNvPicPr>
+          <p:cNvSpPr>
+            <a:spLocks noGrp="1"/>
+          </p:cNvSpPr>
           <p:nvPr>
             <p:ph idx="1"/>
           </p:nvPr>
-        </p:nvPicPr>
-        <p:blipFill>
-          <a:blip r:embed="rId2"/>
-          <a:stretch>
-            <a:fillRect/>
-          </a:stretch>
-        </p:blipFill>
+        </p:nvSpPr>
         <p:spPr>
           <a:xfrm>
-            <a:off x="2592925" y="734176"/>
-            <a:ext cx="6669608" cy="5084751"/>
+            <a:off x="1032933" y="2133600"/>
+            <a:ext cx="10471679" cy="3777622"/>
           </a:xfrm>
         </p:spPr>
-      </p:pic>
+        <p:txBody>
+          <a:bodyPr/>
+          <a:lstStyle/>
+          <a:p>
+            <a:pPr algn="just">
+              <a:lnSpc>
+                <a:spcPct val="150000"/>
+              </a:lnSpc>
+            </a:pPr>
+            <a:r>
+              <a:rPr lang="es-ES" dirty="0"/>
+              <a:t> RF1: El administrador debe poder crear nuevas cuentas de clientes manualmente, ingresando datos como nombre, correo electrónico, dirección, y teléfono. </a:t>
+            </a:r>
+          </a:p>
+          <a:p>
+            <a:pPr algn="just">
+              <a:lnSpc>
+                <a:spcPct val="150000"/>
+              </a:lnSpc>
+            </a:pPr>
+            <a:r>
+              <a:rPr lang="es-ES" dirty="0"/>
+              <a:t>RF2: Al crear una cuenta, el administrador debe poder asignar roles específicos al cliente</a:t>
+            </a:r>
+          </a:p>
+          <a:p>
+            <a:pPr algn="just">
+              <a:lnSpc>
+                <a:spcPct val="150000"/>
+              </a:lnSpc>
+            </a:pPr>
+            <a:r>
+              <a:rPr lang="es-EC" dirty="0"/>
+              <a:t>RF3: El administrador debe poder leer y visualizar una lista completa de clientes registrados en el sistema, con detalles como nombre, correo electrónico, historial de compras y estado de la cuenta.</a:t>
+            </a:r>
+          </a:p>
+          <a:p>
+            <a:pPr algn="just">
+              <a:lnSpc>
+                <a:spcPct val="150000"/>
+              </a:lnSpc>
+            </a:pPr>
+            <a:r>
+              <a:rPr lang="es-ES" dirty="0"/>
+              <a:t> </a:t>
+            </a:r>
+            <a:endParaRPr lang="es-EC" dirty="0"/>
+          </a:p>
+        </p:txBody>
+      </p:sp>
     </p:spTree>
     <p:extLst>
       <p:ext uri="{BB962C8B-B14F-4D97-AF65-F5344CB8AC3E}">
-        <p14:creationId xmlns:p14="http://schemas.microsoft.com/office/powerpoint/2010/main" val="2183037775"/>
+        <p14:creationId xmlns:p14="http://schemas.microsoft.com/office/powerpoint/2010/main" val="4200937748"/>
       </p:ext>
     </p:extLst>
   </p:cSld>
@@ -10295,10 +10469,10 @@
       </p:grpSpPr>
       <p:sp>
         <p:nvSpPr>
-          <p:cNvPr id="2" name="Título 1">
+          <p:cNvPr id="3" name="Marcador de contenido 2">
             <a:extLst>
               <a:ext uri="{FF2B5EF4-FFF2-40B4-BE49-F238E27FC236}">
-                <a16:creationId xmlns:a16="http://schemas.microsoft.com/office/drawing/2014/main" id="{21B46838-54FF-4C28-AAC3-C2424F8E5996}"/>
+                <a16:creationId xmlns:a16="http://schemas.microsoft.com/office/drawing/2014/main" id="{3BDB2D3E-FC09-4687-BCE6-77EB275BF17F}"/>
               </a:ext>
             </a:extLst>
           </p:cNvPr>
@@ -10306,95 +10480,47 @@
             <a:spLocks noGrp="1"/>
           </p:cNvSpPr>
           <p:nvPr>
-            <p:ph type="title"/>
+            <p:ph idx="1"/>
           </p:nvPr>
         </p:nvSpPr>
         <p:spPr>
           <a:xfrm>
-            <a:off x="745067" y="624110"/>
-            <a:ext cx="10759545" cy="1280890"/>
+            <a:off x="1219200" y="1388534"/>
+            <a:ext cx="10166879" cy="3777622"/>
           </a:xfrm>
         </p:spPr>
         <p:txBody>
-          <a:bodyPr>
-            <a:normAutofit fontScale="90000"/>
-          </a:bodyPr>
-          <a:lstStyle/>
-          <a:p>
-            <a:br>
-              <a:rPr lang="es-EC" b="1" dirty="0"/>
-            </a:br>
-            <a:r>
-              <a:rPr lang="es-ES" b="1" dirty="0"/>
-              <a:t> </a:t>
-            </a:r>
-            <a:r>
-              <a:rPr lang="es-ES" sz="2200" b="1" dirty="0"/>
-              <a:t>Especificación de Requerimientos de Usuario (ERU) </a:t>
-            </a:r>
-            <a:br>
-              <a:rPr lang="es-ES" sz="2200" b="1" dirty="0"/>
-            </a:br>
-            <a:r>
-              <a:rPr lang="es-ES" sz="2200" b="1" dirty="0"/>
-              <a:t>Sistema de Venta de Perfumería con Gestión CRUD de Clientes por Administrador </a:t>
-            </a:r>
-            <a:endParaRPr lang="es-EC" sz="2200" b="1" dirty="0"/>
-          </a:p>
-        </p:txBody>
-      </p:sp>
-      <p:sp>
-        <p:nvSpPr>
-          <p:cNvPr id="3" name="Marcador de contenido 2">
-            <a:extLst>
-              <a:ext uri="{FF2B5EF4-FFF2-40B4-BE49-F238E27FC236}">
-                <a16:creationId xmlns:a16="http://schemas.microsoft.com/office/drawing/2014/main" id="{FD369C78-A414-42E0-9CB9-48DE4BAA3AA6}"/>
-              </a:ext>
-            </a:extLst>
-          </p:cNvPr>
-          <p:cNvSpPr>
-            <a:spLocks noGrp="1"/>
-          </p:cNvSpPr>
-          <p:nvPr>
-            <p:ph idx="1"/>
-          </p:nvPr>
-        </p:nvSpPr>
-        <p:spPr>
-          <a:xfrm>
-            <a:off x="1168400" y="2133600"/>
-            <a:ext cx="10336212" cy="3777622"/>
-          </a:xfrm>
-        </p:spPr>
-        <p:txBody>
           <a:bodyPr/>
           <a:lstStyle/>
           <a:p>
-            <a:pPr algn="l"/>
-            <a:endParaRPr lang="es-EC" sz="1800" b="0" i="0" u="none" strike="noStrike" baseline="0" dirty="0">
-              <a:solidFill>
-                <a:srgbClr val="000000"/>
-              </a:solidFill>
-              <a:latin typeface="Times New Roman" panose="02020603050405020304" pitchFamily="18" charset="0"/>
-            </a:endParaRPr>
-          </a:p>
-          <a:p>
+            <a:pPr algn="just">
+              <a:lnSpc>
+                <a:spcPct val="150000"/>
+              </a:lnSpc>
+            </a:pPr>
             <a:r>
               <a:rPr lang="es-ES" dirty="0"/>
-              <a:t> Propósito: Definir los requisitos y expectativas para un sistema de venta de perfumería que permita a los administradores realizar operaciones CRUD (Crear, Leer, Actualizar, Eliminar) sobre los clientes. </a:t>
-            </a:r>
-          </a:p>
-          <a:p>
+              <a:t>RF3: El administrador debe poder leer y visualizar una lista completa de clientes registrados en el sistema, con detalles como nombre, correo electrónico, historial de compras y estado de la cuenta. </a:t>
+            </a:r>
+          </a:p>
+          <a:p>
+            <a:pPr algn="just">
+              <a:lnSpc>
+                <a:spcPct val="150000"/>
+              </a:lnSpc>
+            </a:pPr>
             <a:r>
               <a:rPr lang="es-ES" dirty="0"/>
-              <a:t>Alcance: El sistema se enfocará en proporcionar a los administradores las herramientas necesarias para gestionar clientes de manera eficiente, manteniendo actualizada la base de datos de usuarios. </a:t>
-            </a:r>
+              <a:t>RF4: El administrador debe poder buscar y filtrar clientes por diferentes criterios, como nombre, correo electrónico, fecha de registro, o estado de la cuenta.</a:t>
+            </a:r>
+            <a:endParaRPr lang="es-EC" dirty="0"/>
           </a:p>
         </p:txBody>
       </p:sp>
     </p:spTree>
     <p:extLst>
       <p:ext uri="{BB962C8B-B14F-4D97-AF65-F5344CB8AC3E}">
-        <p14:creationId xmlns:p14="http://schemas.microsoft.com/office/powerpoint/2010/main" val="2062933512"/>
+        <p14:creationId xmlns:p14="http://schemas.microsoft.com/office/powerpoint/2010/main" val="2114068822"/>
       </p:ext>
     </p:extLst>
   </p:cSld>
@@ -10426,7 +10552,7 @@
           <p:cNvPr id="2" name="Título 1">
             <a:extLst>
               <a:ext uri="{FF2B5EF4-FFF2-40B4-BE49-F238E27FC236}">
-                <a16:creationId xmlns:a16="http://schemas.microsoft.com/office/drawing/2014/main" id="{53129334-BB40-4A4B-A43F-85432D0BB2D8}"/>
+                <a16:creationId xmlns:a16="http://schemas.microsoft.com/office/drawing/2014/main" id="{9E3685F2-0F12-4C5D-A66E-FF35F7E2F23B}"/>
               </a:ext>
             </a:extLst>
           </p:cNvPr>
@@ -10442,18 +10568,7 @@
           <a:bodyPr/>
           <a:lstStyle/>
           <a:p>
-            <a:br>
-              <a:rPr lang="es-EC" sz="1800" b="0" i="0" u="none" strike="noStrike" baseline="0" dirty="0">
-                <a:solidFill>
-                  <a:srgbClr val="000000"/>
-                </a:solidFill>
-                <a:latin typeface="Times New Roman" panose="02020603050405020304" pitchFamily="18" charset="0"/>
-              </a:rPr>
-            </a:br>
-            <a:r>
-              <a:rPr lang="es-EC" dirty="0"/>
-              <a:t> Descripción General </a:t>
-            </a:r>
+            <a:endParaRPr lang="es-EC" dirty="0"/>
           </a:p>
         </p:txBody>
       </p:sp>
@@ -10462,7 +10577,7 @@
           <p:cNvPr id="3" name="Marcador de contenido 2">
             <a:extLst>
               <a:ext uri="{FF2B5EF4-FFF2-40B4-BE49-F238E27FC236}">
-                <a16:creationId xmlns:a16="http://schemas.microsoft.com/office/drawing/2014/main" id="{939D3729-8616-41E9-B0D0-D19A5EC488B9}"/>
+                <a16:creationId xmlns:a16="http://schemas.microsoft.com/office/drawing/2014/main" id="{A1086AD6-DE0D-4AFD-B548-AB0C18952E26}"/>
               </a:ext>
             </a:extLst>
           </p:cNvPr>
@@ -10473,18 +10588,35 @@
             <p:ph idx="1"/>
           </p:nvPr>
         </p:nvSpPr>
-        <p:spPr/>
+        <p:spPr>
+          <a:xfrm>
+            <a:off x="1270000" y="2133600"/>
+            <a:ext cx="10234612" cy="3777622"/>
+          </a:xfrm>
+        </p:spPr>
         <p:txBody>
           <a:bodyPr/>
           <a:lstStyle/>
           <a:p>
-            <a:pPr algn="l"/>
-            <a:endParaRPr lang="es-EC" dirty="0"/>
-          </a:p>
-          <a:p>
+            <a:pPr algn="just">
+              <a:lnSpc>
+                <a:spcPct val="150000"/>
+              </a:lnSpc>
+            </a:pPr>
             <a:r>
               <a:rPr lang="es-ES" dirty="0"/>
-              <a:t> Visión del sistema: El sistema permitirá a los administradores realizar una gestión completa de los clientes, incluyendo la creación de cuentas, actualización de información, visualización de datos, y eliminación de usuarios cuando sea necesario. </a:t>
+              <a:t>RF7: El administrador debe poder eliminar una cuenta de cliente cuando sea necesario, ya sea por solicitud del cliente o por razones administrativas. </a:t>
+            </a:r>
+          </a:p>
+          <a:p>
+            <a:pPr algn="just">
+              <a:lnSpc>
+                <a:spcPct val="150000"/>
+              </a:lnSpc>
+            </a:pPr>
+            <a:r>
+              <a:rPr lang="es-ES" dirty="0"/>
+              <a:t>RF8: Antes de eliminar una cuenta, el sistema debe solicitar una confirmación para evitar eliminaciones accidentales.</a:t>
             </a:r>
             <a:endParaRPr lang="es-EC" dirty="0"/>
           </a:p>
@@ -10493,7 +10625,7 @@
     </p:spTree>
     <p:extLst>
       <p:ext uri="{BB962C8B-B14F-4D97-AF65-F5344CB8AC3E}">
-        <p14:creationId xmlns:p14="http://schemas.microsoft.com/office/powerpoint/2010/main" val="1029300082"/>
+        <p14:creationId xmlns:p14="http://schemas.microsoft.com/office/powerpoint/2010/main" val="1784669680"/>
       </p:ext>
     </p:extLst>
   </p:cSld>
@@ -10525,7 +10657,7 @@
           <p:cNvPr id="2" name="Título 1">
             <a:extLst>
               <a:ext uri="{FF2B5EF4-FFF2-40B4-BE49-F238E27FC236}">
-                <a16:creationId xmlns:a16="http://schemas.microsoft.com/office/drawing/2014/main" id="{89D21BEF-EA11-4854-B5FF-D4AF6F019903}"/>
+                <a16:creationId xmlns:a16="http://schemas.microsoft.com/office/drawing/2014/main" id="{2DBC5AC6-342B-4900-B0BB-B4F891DF65BE}"/>
               </a:ext>
             </a:extLst>
           </p:cNvPr>
@@ -10538,34 +10670,18 @@
         </p:nvSpPr>
         <p:spPr>
           <a:xfrm>
-            <a:off x="1388533" y="624110"/>
-            <a:ext cx="10116079" cy="1280890"/>
+            <a:off x="2082801" y="624110"/>
+            <a:ext cx="9421812" cy="1280890"/>
           </a:xfrm>
         </p:spPr>
         <p:txBody>
-          <a:bodyPr>
-            <a:noAutofit/>
-          </a:bodyPr>
+          <a:bodyPr/>
           <a:lstStyle/>
           <a:p>
-            <a:br>
-              <a:rPr lang="es-EC" sz="2000" dirty="0"/>
-            </a:br>
-            <a:r>
-              <a:rPr lang="es-EC" sz="2000" dirty="0"/>
-              <a:t> Requerimientos Funcionales </a:t>
-            </a:r>
-            <a:br>
-              <a:rPr lang="es-EC" sz="2000" dirty="0"/>
-            </a:br>
-            <a:r>
-              <a:rPr lang="es-ES" sz="2000" dirty="0"/>
-              <a:t>Funcionalidades CRUD para el Administrador en el Manejo de Clientes </a:t>
-            </a:r>
-            <a:br>
-              <a:rPr lang="es-ES" sz="2000" dirty="0"/>
-            </a:br>
-            <a:endParaRPr lang="es-EC" sz="2000" dirty="0"/>
+            <a:r>
+              <a:rPr lang="es-EC" dirty="0"/>
+              <a:t>Requerimientos No Funcionales</a:t>
+            </a:r>
           </a:p>
         </p:txBody>
       </p:sp>
@@ -10574,7 +10690,7 @@
           <p:cNvPr id="3" name="Marcador de contenido 2">
             <a:extLst>
               <a:ext uri="{FF2B5EF4-FFF2-40B4-BE49-F238E27FC236}">
-                <a16:creationId xmlns:a16="http://schemas.microsoft.com/office/drawing/2014/main" id="{1C7282DD-6A63-4C8B-A565-5273EE1A4FCA}"/>
+                <a16:creationId xmlns:a16="http://schemas.microsoft.com/office/drawing/2014/main" id="{4E1E9789-0596-4B92-ABAB-5F029D4CEE98}"/>
               </a:ext>
             </a:extLst>
           </p:cNvPr>
@@ -10587,33 +10703,44 @@
         </p:nvSpPr>
         <p:spPr>
           <a:xfrm>
-            <a:off x="1032933" y="2133600"/>
-            <a:ext cx="10471679" cy="3777622"/>
+            <a:off x="1100667" y="2133600"/>
+            <a:ext cx="10403945" cy="3777622"/>
           </a:xfrm>
         </p:spPr>
         <p:txBody>
           <a:bodyPr/>
           <a:lstStyle/>
           <a:p>
-            <a:r>
-              <a:rPr lang="es-EC" dirty="0"/>
-              <a:t>Creación de Clientes</a:t>
-            </a:r>
-          </a:p>
-          <a:p>
-            <a:pPr algn="l"/>
-            <a:endParaRPr lang="es-EC" dirty="0"/>
-          </a:p>
-          <a:p>
+            <a:pPr algn="just">
+              <a:lnSpc>
+                <a:spcPct val="150000"/>
+              </a:lnSpc>
+            </a:pPr>
             <a:r>
               <a:rPr lang="es-ES" dirty="0"/>
-              <a:t> RF1: El administrador debe poder crear nuevas cuentas de clientes manualmente, ingresando datos como nombre, correo electrónico, dirección, y teléfono. </a:t>
-            </a:r>
-          </a:p>
-          <a:p>
+              <a:t>RNF1: El sistema debe ser accesible desde dispositivos móviles y de escritorio, con un diseño responsivo. </a:t>
+            </a:r>
+          </a:p>
+          <a:p>
+            <a:pPr algn="just">
+              <a:lnSpc>
+                <a:spcPct val="150000"/>
+              </a:lnSpc>
+            </a:pPr>
             <a:r>
               <a:rPr lang="es-ES" dirty="0"/>
-              <a:t>RF2: Al crear una cuenta, el administrador debe poder asignar roles específicos al cliente </a:t>
+              <a:t>RNF2: La interfaz para la gestión de clientes debe ser intuitiva y fácil de usar, con tiempos de respuesta rápidos. </a:t>
+            </a:r>
+          </a:p>
+          <a:p>
+            <a:pPr algn="just">
+              <a:lnSpc>
+                <a:spcPct val="150000"/>
+              </a:lnSpc>
+            </a:pPr>
+            <a:r>
+              <a:rPr lang="es-ES" dirty="0"/>
+              <a:t>RNF3: El sistema debe cumplir con las normativas de seguridad, protegiendo la información personal de los clientes.</a:t>
             </a:r>
             <a:endParaRPr lang="es-EC" dirty="0"/>
           </a:p>
@@ -10622,7 +10749,7 @@
     </p:spTree>
     <p:extLst>
       <p:ext uri="{BB962C8B-B14F-4D97-AF65-F5344CB8AC3E}">
-        <p14:creationId xmlns:p14="http://schemas.microsoft.com/office/powerpoint/2010/main" val="4200937748"/>
+        <p14:creationId xmlns:p14="http://schemas.microsoft.com/office/powerpoint/2010/main" val="1540236967"/>
       </p:ext>
     </p:extLst>
   </p:cSld>

--- a/Parte III/Informe/SISTEMA DE GESTIÓN DE VENTAS DE PERFUMERÍA EN.pptx
+++ b/Parte III/Informe/SISTEMA DE GESTIÓN DE VENTAS DE PERFUMERÍA EN.pptx
@@ -11,26 +11,24 @@
     <p:sldId id="262" r:id="rId5"/>
     <p:sldId id="263" r:id="rId6"/>
     <p:sldId id="264" r:id="rId7"/>
-    <p:sldId id="265" r:id="rId8"/>
-    <p:sldId id="266" r:id="rId9"/>
-    <p:sldId id="267" r:id="rId10"/>
-    <p:sldId id="268" r:id="rId11"/>
-    <p:sldId id="269" r:id="rId12"/>
-    <p:sldId id="270" r:id="rId13"/>
-    <p:sldId id="271" r:id="rId14"/>
-    <p:sldId id="272" r:id="rId15"/>
-    <p:sldId id="273" r:id="rId16"/>
-    <p:sldId id="257" r:id="rId17"/>
-    <p:sldId id="274" r:id="rId18"/>
-    <p:sldId id="260" r:id="rId19"/>
-    <p:sldId id="261" r:id="rId20"/>
-    <p:sldId id="275" r:id="rId21"/>
-    <p:sldId id="276" r:id="rId22"/>
-    <p:sldId id="277" r:id="rId23"/>
-    <p:sldId id="278" r:id="rId24"/>
-    <p:sldId id="279" r:id="rId25"/>
-    <p:sldId id="280" r:id="rId26"/>
-    <p:sldId id="281" r:id="rId27"/>
+    <p:sldId id="267" r:id="rId8"/>
+    <p:sldId id="268" r:id="rId9"/>
+    <p:sldId id="269" r:id="rId10"/>
+    <p:sldId id="270" r:id="rId11"/>
+    <p:sldId id="271" r:id="rId12"/>
+    <p:sldId id="272" r:id="rId13"/>
+    <p:sldId id="273" r:id="rId14"/>
+    <p:sldId id="274" r:id="rId15"/>
+    <p:sldId id="257" r:id="rId16"/>
+    <p:sldId id="260" r:id="rId17"/>
+    <p:sldId id="261" r:id="rId18"/>
+    <p:sldId id="275" r:id="rId19"/>
+    <p:sldId id="276" r:id="rId20"/>
+    <p:sldId id="277" r:id="rId21"/>
+    <p:sldId id="278" r:id="rId22"/>
+    <p:sldId id="279" r:id="rId23"/>
+    <p:sldId id="280" r:id="rId24"/>
+    <p:sldId id="281" r:id="rId25"/>
   </p:sldIdLst>
   <p:sldSz cx="12192000" cy="6858000"/>
   <p:notesSz cx="6858000" cy="9144000"/>
@@ -325,7 +323,7 @@
           <a:p>
             <a:fld id="{3A0D17C3-BB75-42D1-B9F2-BD287FAAC41C}" type="datetimeFigureOut">
               <a:rPr lang="es-EC" smtClean="0"/>
-              <a:t>13/9/2024</a:t>
+              <a:t>14/9/2024</a:t>
             </a:fld>
             <a:endParaRPr lang="es-EC"/>
           </a:p>
@@ -663,7 +661,7 @@
           <a:p>
             <a:fld id="{3A0D17C3-BB75-42D1-B9F2-BD287FAAC41C}" type="datetimeFigureOut">
               <a:rPr lang="es-EC" smtClean="0"/>
-              <a:t>13/9/2024</a:t>
+              <a:t>14/9/2024</a:t>
             </a:fld>
             <a:endParaRPr lang="es-EC"/>
           </a:p>
@@ -1064,7 +1062,7 @@
           <a:p>
             <a:fld id="{3A0D17C3-BB75-42D1-B9F2-BD287FAAC41C}" type="datetimeFigureOut">
               <a:rPr lang="es-EC" smtClean="0"/>
-              <a:t>13/9/2024</a:t>
+              <a:t>14/9/2024</a:t>
             </a:fld>
             <a:endParaRPr lang="es-EC"/>
           </a:p>
@@ -1400,7 +1398,7 @@
           <a:p>
             <a:fld id="{3A0D17C3-BB75-42D1-B9F2-BD287FAAC41C}" type="datetimeFigureOut">
               <a:rPr lang="es-EC" smtClean="0"/>
-              <a:t>13/9/2024</a:t>
+              <a:t>14/9/2024</a:t>
             </a:fld>
             <a:endParaRPr lang="es-EC"/>
           </a:p>
@@ -1720,7 +1718,7 @@
           <a:p>
             <a:fld id="{3A0D17C3-BB75-42D1-B9F2-BD287FAAC41C}" type="datetimeFigureOut">
               <a:rPr lang="es-EC" smtClean="0"/>
-              <a:t>13/9/2024</a:t>
+              <a:t>14/9/2024</a:t>
             </a:fld>
             <a:endParaRPr lang="es-EC"/>
           </a:p>
@@ -2116,7 +2114,7 @@
           <a:p>
             <a:fld id="{3A0D17C3-BB75-42D1-B9F2-BD287FAAC41C}" type="datetimeFigureOut">
               <a:rPr lang="es-EC" smtClean="0"/>
-              <a:t>13/9/2024</a:t>
+              <a:t>14/9/2024</a:t>
             </a:fld>
             <a:endParaRPr lang="es-EC"/>
           </a:p>
@@ -2373,7 +2371,7 @@
           <a:p>
             <a:fld id="{3A0D17C3-BB75-42D1-B9F2-BD287FAAC41C}" type="datetimeFigureOut">
               <a:rPr lang="es-EC" smtClean="0"/>
-              <a:t>13/9/2024</a:t>
+              <a:t>14/9/2024</a:t>
             </a:fld>
             <a:endParaRPr lang="es-EC"/>
           </a:p>
@@ -2635,7 +2633,7 @@
           <a:p>
             <a:fld id="{3A0D17C3-BB75-42D1-B9F2-BD287FAAC41C}" type="datetimeFigureOut">
               <a:rPr lang="es-EC" smtClean="0"/>
-              <a:t>13/9/2024</a:t>
+              <a:t>14/9/2024</a:t>
             </a:fld>
             <a:endParaRPr lang="es-EC"/>
           </a:p>
@@ -2897,7 +2895,7 @@
           <a:p>
             <a:fld id="{3A0D17C3-BB75-42D1-B9F2-BD287FAAC41C}" type="datetimeFigureOut">
               <a:rPr lang="es-EC" smtClean="0"/>
-              <a:t>13/9/2024</a:t>
+              <a:t>14/9/2024</a:t>
             </a:fld>
             <a:endParaRPr lang="es-EC"/>
           </a:p>
@@ -3226,7 +3224,7 @@
           <a:p>
             <a:fld id="{3A0D17C3-BB75-42D1-B9F2-BD287FAAC41C}" type="datetimeFigureOut">
               <a:rPr lang="es-EC" smtClean="0"/>
-              <a:t>13/9/2024</a:t>
+              <a:t>14/9/2024</a:t>
             </a:fld>
             <a:endParaRPr lang="es-EC"/>
           </a:p>
@@ -3549,7 +3547,7 @@
           <a:p>
             <a:fld id="{3A0D17C3-BB75-42D1-B9F2-BD287FAAC41C}" type="datetimeFigureOut">
               <a:rPr lang="es-EC" smtClean="0"/>
-              <a:t>13/9/2024</a:t>
+              <a:t>14/9/2024</a:t>
             </a:fld>
             <a:endParaRPr lang="es-EC"/>
           </a:p>
@@ -4006,7 +4004,7 @@
           <a:p>
             <a:fld id="{3A0D17C3-BB75-42D1-B9F2-BD287FAAC41C}" type="datetimeFigureOut">
               <a:rPr lang="es-EC" smtClean="0"/>
-              <a:t>13/9/2024</a:t>
+              <a:t>14/9/2024</a:t>
             </a:fld>
             <a:endParaRPr lang="es-EC"/>
           </a:p>
@@ -4211,7 +4209,7 @@
           <a:p>
             <a:fld id="{3A0D17C3-BB75-42D1-B9F2-BD287FAAC41C}" type="datetimeFigureOut">
               <a:rPr lang="es-EC" smtClean="0"/>
-              <a:t>13/9/2024</a:t>
+              <a:t>14/9/2024</a:t>
             </a:fld>
             <a:endParaRPr lang="es-EC"/>
           </a:p>
@@ -4388,7 +4386,7 @@
           <a:p>
             <a:fld id="{3A0D17C3-BB75-42D1-B9F2-BD287FAAC41C}" type="datetimeFigureOut">
               <a:rPr lang="es-EC" smtClean="0"/>
-              <a:t>13/9/2024</a:t>
+              <a:t>14/9/2024</a:t>
             </a:fld>
             <a:endParaRPr lang="es-EC"/>
           </a:p>
@@ -4721,7 +4719,7 @@
           <a:p>
             <a:fld id="{3A0D17C3-BB75-42D1-B9F2-BD287FAAC41C}" type="datetimeFigureOut">
               <a:rPr lang="es-EC" smtClean="0"/>
-              <a:t>13/9/2024</a:t>
+              <a:t>14/9/2024</a:t>
             </a:fld>
             <a:endParaRPr lang="es-EC"/>
           </a:p>
@@ -5066,7 +5064,7 @@
           <a:p>
             <a:fld id="{3A0D17C3-BB75-42D1-B9F2-BD287FAAC41C}" type="datetimeFigureOut">
               <a:rPr lang="es-EC" smtClean="0"/>
-              <a:t>13/9/2024</a:t>
+              <a:t>14/9/2024</a:t>
             </a:fld>
             <a:endParaRPr lang="es-EC"/>
           </a:p>
@@ -7183,7 +7181,7 @@
           <a:p>
             <a:fld id="{3A0D17C3-BB75-42D1-B9F2-BD287FAAC41C}" type="datetimeFigureOut">
               <a:rPr lang="es-EC" smtClean="0"/>
-              <a:t>13/9/2024</a:t>
+              <a:t>14/9/2024</a:t>
             </a:fld>
             <a:endParaRPr lang="es-EC"/>
           </a:p>
@@ -7869,10 +7867,10 @@
       </p:grpSpPr>
       <p:sp>
         <p:nvSpPr>
-          <p:cNvPr id="2" name="Título 1">
+          <p:cNvPr id="3" name="Marcador de contenido 2">
             <a:extLst>
               <a:ext uri="{FF2B5EF4-FFF2-40B4-BE49-F238E27FC236}">
-                <a16:creationId xmlns:a16="http://schemas.microsoft.com/office/drawing/2014/main" id="{AA2A3B0F-78ED-4390-A3A8-3D9C3005AA9B}"/>
+                <a16:creationId xmlns:a16="http://schemas.microsoft.com/office/drawing/2014/main" id="{84AAFB8D-25D5-43C7-A91F-B738A5CB8BBC}"/>
               </a:ext>
             </a:extLst>
           </p:cNvPr>
@@ -7880,56 +7878,13 @@
             <a:spLocks noGrp="1"/>
           </p:cNvSpPr>
           <p:nvPr>
-            <p:ph type="title"/>
+            <p:ph idx="1"/>
           </p:nvPr>
         </p:nvSpPr>
         <p:spPr>
           <a:xfrm>
-            <a:off x="1591733" y="624110"/>
-            <a:ext cx="9912879" cy="1280890"/>
-          </a:xfrm>
-        </p:spPr>
-        <p:txBody>
-          <a:bodyPr>
-            <a:normAutofit/>
-          </a:bodyPr>
-          <a:lstStyle/>
-          <a:p>
-            <a:r>
-              <a:rPr lang="es-ES" sz="2000" dirty="0"/>
-              <a:t>Especificación de Requerimientos Funcionales (ERF) </a:t>
-            </a:r>
-            <a:br>
-              <a:rPr lang="es-ES" sz="2000" dirty="0"/>
-            </a:br>
-            <a:r>
-              <a:rPr lang="es-ES" sz="2000" dirty="0"/>
-              <a:t>Sistema de Venta de Perfumería - Gestión de Clientes CRUD por Administrador</a:t>
-            </a:r>
-            <a:endParaRPr lang="es-EC" sz="2000" dirty="0"/>
-          </a:p>
-        </p:txBody>
-      </p:sp>
-      <p:sp>
-        <p:nvSpPr>
-          <p:cNvPr id="3" name="Marcador de contenido 2">
-            <a:extLst>
-              <a:ext uri="{FF2B5EF4-FFF2-40B4-BE49-F238E27FC236}">
-                <a16:creationId xmlns:a16="http://schemas.microsoft.com/office/drawing/2014/main" id="{3DD46CF1-8F50-41A1-90B1-D8F3F54718D4}"/>
-              </a:ext>
-            </a:extLst>
-          </p:cNvPr>
-          <p:cNvSpPr>
-            <a:spLocks noGrp="1"/>
-          </p:cNvSpPr>
-          <p:nvPr>
-            <p:ph idx="1"/>
-          </p:nvPr>
-        </p:nvSpPr>
-        <p:spPr>
-          <a:xfrm>
-            <a:off x="1151467" y="2133600"/>
-            <a:ext cx="10353145" cy="3777622"/>
+            <a:off x="1134533" y="1405467"/>
+            <a:ext cx="10370079" cy="4505755"/>
           </a:xfrm>
         </p:spPr>
         <p:txBody>
@@ -7942,8 +7897,8 @@
               </a:lnSpc>
             </a:pPr>
             <a:r>
-              <a:rPr lang="es-EC" dirty="0"/>
-              <a:t>Introducción</a:t>
+              <a:rPr lang="es-ES" dirty="0"/>
+              <a:t>RF2: El sistema debe enviar un correo electrónico de bienvenida al cliente cuando se crea una nueva cuenta. </a:t>
             </a:r>
           </a:p>
           <a:p>
@@ -7954,16 +7909,48 @@
             </a:pPr>
             <a:r>
               <a:rPr lang="es-ES" dirty="0"/>
-              <a:t>Este documento detalla los requerimientos funcionales específicos relacionados con las operaciones CRUD que el administrador debe poder realizar para la gestión de clientes en el sistema de venta de perfumería.</a:t>
-            </a:r>
-            <a:endParaRPr lang="es-EC" dirty="0"/>
+              <a:t>RF3: El sistema debe permitir al usuario visualizar la información registrada:</a:t>
+            </a:r>
+          </a:p>
+          <a:p>
+            <a:pPr algn="just">
+              <a:lnSpc>
+                <a:spcPct val="150000"/>
+              </a:lnSpc>
+            </a:pPr>
+            <a:r>
+              <a:rPr lang="es-EC" dirty="0"/>
+              <a:t>Nombre completo. </a:t>
+            </a:r>
+          </a:p>
+          <a:p>
+            <a:pPr algn="just">
+              <a:lnSpc>
+                <a:spcPct val="150000"/>
+              </a:lnSpc>
+            </a:pPr>
+            <a:r>
+              <a:rPr lang="es-EC" dirty="0"/>
+              <a:t>Dirección de correo electrónico. </a:t>
+            </a:r>
+          </a:p>
+          <a:p>
+            <a:pPr algn="just">
+              <a:lnSpc>
+                <a:spcPct val="150000"/>
+              </a:lnSpc>
+            </a:pPr>
+            <a:r>
+              <a:rPr lang="es-EC" dirty="0"/>
+              <a:t>Número de teléfono.</a:t>
+            </a:r>
           </a:p>
         </p:txBody>
       </p:sp>
     </p:spTree>
     <p:extLst>
       <p:ext uri="{BB962C8B-B14F-4D97-AF65-F5344CB8AC3E}">
-        <p14:creationId xmlns:p14="http://schemas.microsoft.com/office/powerpoint/2010/main" val="4139903517"/>
+        <p14:creationId xmlns:p14="http://schemas.microsoft.com/office/powerpoint/2010/main" val="3863709571"/>
       </p:ext>
     </p:extLst>
   </p:cSld>
@@ -7995,294 +7982,6 @@
           <p:cNvPr id="2" name="Título 1">
             <a:extLst>
               <a:ext uri="{FF2B5EF4-FFF2-40B4-BE49-F238E27FC236}">
-                <a16:creationId xmlns:a16="http://schemas.microsoft.com/office/drawing/2014/main" id="{B7730A95-37F2-4AFA-92ED-C2BCA6B9F7B2}"/>
-              </a:ext>
-            </a:extLst>
-          </p:cNvPr>
-          <p:cNvSpPr>
-            <a:spLocks noGrp="1"/>
-          </p:cNvSpPr>
-          <p:nvPr>
-            <p:ph type="title"/>
-          </p:nvPr>
-        </p:nvSpPr>
-        <p:spPr>
-          <a:xfrm>
-            <a:off x="1896533" y="624110"/>
-            <a:ext cx="9608079" cy="1280890"/>
-          </a:xfrm>
-        </p:spPr>
-        <p:txBody>
-          <a:bodyPr>
-            <a:normAutofit/>
-          </a:bodyPr>
-          <a:lstStyle/>
-          <a:p>
-            <a:r>
-              <a:rPr lang="es-EC" sz="2000" dirty="0"/>
-              <a:t>Requerimientos Funcionales </a:t>
-            </a:r>
-            <a:br>
-              <a:rPr lang="es-EC" sz="2000" dirty="0"/>
-            </a:br>
-            <a:r>
-              <a:rPr lang="es-EC" sz="2000" dirty="0"/>
-              <a:t>2.1. Creación de Clientes</a:t>
-            </a:r>
-          </a:p>
-        </p:txBody>
-      </p:sp>
-      <p:sp>
-        <p:nvSpPr>
-          <p:cNvPr id="3" name="Marcador de contenido 2">
-            <a:extLst>
-              <a:ext uri="{FF2B5EF4-FFF2-40B4-BE49-F238E27FC236}">
-                <a16:creationId xmlns:a16="http://schemas.microsoft.com/office/drawing/2014/main" id="{1317B0DB-BD50-4614-940D-5ADC68648234}"/>
-              </a:ext>
-            </a:extLst>
-          </p:cNvPr>
-          <p:cNvSpPr>
-            <a:spLocks noGrp="1"/>
-          </p:cNvSpPr>
-          <p:nvPr>
-            <p:ph idx="1"/>
-          </p:nvPr>
-        </p:nvSpPr>
-        <p:spPr>
-          <a:xfrm>
-            <a:off x="1693333" y="2133600"/>
-            <a:ext cx="9811279" cy="3777622"/>
-          </a:xfrm>
-        </p:spPr>
-        <p:txBody>
-          <a:bodyPr/>
-          <a:lstStyle/>
-          <a:p>
-            <a:pPr algn="just">
-              <a:lnSpc>
-                <a:spcPct val="150000"/>
-              </a:lnSpc>
-            </a:pPr>
-            <a:r>
-              <a:rPr lang="es-ES" dirty="0"/>
-              <a:t>RF1: El sistema debe permitir al administrador crear una nueva cuenta de cliente, ingresando información básica como: </a:t>
-            </a:r>
-          </a:p>
-          <a:p>
-            <a:pPr algn="just">
-              <a:lnSpc>
-                <a:spcPct val="150000"/>
-              </a:lnSpc>
-            </a:pPr>
-            <a:r>
-              <a:rPr lang="es-EC" dirty="0"/>
-              <a:t>Nombre completo. </a:t>
-            </a:r>
-          </a:p>
-          <a:p>
-            <a:pPr algn="just">
-              <a:lnSpc>
-                <a:spcPct val="150000"/>
-              </a:lnSpc>
-            </a:pPr>
-            <a:r>
-              <a:rPr lang="es-EC" dirty="0"/>
-              <a:t>Dirección de correo electrónico. </a:t>
-            </a:r>
-          </a:p>
-          <a:p>
-            <a:pPr algn="just">
-              <a:lnSpc>
-                <a:spcPct val="150000"/>
-              </a:lnSpc>
-            </a:pPr>
-            <a:r>
-              <a:rPr lang="es-EC" dirty="0"/>
-              <a:t>Número de teléfono. </a:t>
-            </a:r>
-          </a:p>
-          <a:p>
-            <a:pPr algn="just">
-              <a:lnSpc>
-                <a:spcPct val="150000"/>
-              </a:lnSpc>
-            </a:pPr>
-            <a:r>
-              <a:rPr lang="es-EC" dirty="0"/>
-              <a:t>Dirección física. </a:t>
-            </a:r>
-          </a:p>
-          <a:p>
-            <a:pPr algn="just">
-              <a:lnSpc>
-                <a:spcPct val="150000"/>
-              </a:lnSpc>
-            </a:pPr>
-            <a:r>
-              <a:rPr lang="es-EC" dirty="0"/>
-              <a:t>Fecha de nacimiento (opcional).</a:t>
-            </a:r>
-          </a:p>
-        </p:txBody>
-      </p:sp>
-    </p:spTree>
-    <p:extLst>
-      <p:ext uri="{BB962C8B-B14F-4D97-AF65-F5344CB8AC3E}">
-        <p14:creationId xmlns:p14="http://schemas.microsoft.com/office/powerpoint/2010/main" val="2343730151"/>
-      </p:ext>
-    </p:extLst>
-  </p:cSld>
-  <p:clrMapOvr>
-    <a:masterClrMapping/>
-  </p:clrMapOvr>
-</p:sld>
-</file>
-
-<file path=ppt/slides/slide12.xml><?xml version="1.0" encoding="utf-8"?>
-<p:sld xmlns:a="http://schemas.openxmlformats.org/drawingml/2006/main" xmlns:r="http://schemas.openxmlformats.org/officeDocument/2006/relationships" xmlns:p="http://schemas.openxmlformats.org/presentationml/2006/main">
-  <p:cSld>
-    <p:spTree>
-      <p:nvGrpSpPr>
-        <p:cNvPr id="1" name=""/>
-        <p:cNvGrpSpPr/>
-        <p:nvPr/>
-      </p:nvGrpSpPr>
-      <p:grpSpPr>
-        <a:xfrm>
-          <a:off x="0" y="0"/>
-          <a:ext cx="0" cy="0"/>
-          <a:chOff x="0" y="0"/>
-          <a:chExt cx="0" cy="0"/>
-        </a:xfrm>
-      </p:grpSpPr>
-      <p:sp>
-        <p:nvSpPr>
-          <p:cNvPr id="3" name="Marcador de contenido 2">
-            <a:extLst>
-              <a:ext uri="{FF2B5EF4-FFF2-40B4-BE49-F238E27FC236}">
-                <a16:creationId xmlns:a16="http://schemas.microsoft.com/office/drawing/2014/main" id="{84AAFB8D-25D5-43C7-A91F-B738A5CB8BBC}"/>
-              </a:ext>
-            </a:extLst>
-          </p:cNvPr>
-          <p:cNvSpPr>
-            <a:spLocks noGrp="1"/>
-          </p:cNvSpPr>
-          <p:nvPr>
-            <p:ph idx="1"/>
-          </p:nvPr>
-        </p:nvSpPr>
-        <p:spPr>
-          <a:xfrm>
-            <a:off x="1134533" y="1405467"/>
-            <a:ext cx="10370079" cy="4505755"/>
-          </a:xfrm>
-        </p:spPr>
-        <p:txBody>
-          <a:bodyPr/>
-          <a:lstStyle/>
-          <a:p>
-            <a:pPr algn="just">
-              <a:lnSpc>
-                <a:spcPct val="150000"/>
-              </a:lnSpc>
-            </a:pPr>
-            <a:r>
-              <a:rPr lang="es-ES" dirty="0"/>
-              <a:t>RF2: El sistema debe enviar un correo electrónico de bienvenida al cliente cuando se crea una nueva cuenta. </a:t>
-            </a:r>
-          </a:p>
-          <a:p>
-            <a:pPr algn="just">
-              <a:lnSpc>
-                <a:spcPct val="150000"/>
-              </a:lnSpc>
-            </a:pPr>
-            <a:r>
-              <a:rPr lang="es-ES" dirty="0"/>
-              <a:t>2.2. Lectura y Visualización de Información de Clientes </a:t>
-            </a:r>
-          </a:p>
-          <a:p>
-            <a:pPr algn="just">
-              <a:lnSpc>
-                <a:spcPct val="150000"/>
-              </a:lnSpc>
-            </a:pPr>
-            <a:r>
-              <a:rPr lang="es-ES" dirty="0"/>
-              <a:t>RF3: El sistema debe permitir al administrador visualizar una lista completa de clientes registrados, mostrando información relevante como: </a:t>
-            </a:r>
-          </a:p>
-          <a:p>
-            <a:pPr algn="just">
-              <a:lnSpc>
-                <a:spcPct val="150000"/>
-              </a:lnSpc>
-            </a:pPr>
-            <a:r>
-              <a:rPr lang="es-EC" dirty="0"/>
-              <a:t>Nombre completo. </a:t>
-            </a:r>
-          </a:p>
-          <a:p>
-            <a:pPr algn="just">
-              <a:lnSpc>
-                <a:spcPct val="150000"/>
-              </a:lnSpc>
-            </a:pPr>
-            <a:r>
-              <a:rPr lang="es-EC" dirty="0"/>
-              <a:t>Dirección de correo electrónico. </a:t>
-            </a:r>
-          </a:p>
-          <a:p>
-            <a:pPr algn="just">
-              <a:lnSpc>
-                <a:spcPct val="150000"/>
-              </a:lnSpc>
-            </a:pPr>
-            <a:r>
-              <a:rPr lang="es-EC" dirty="0"/>
-              <a:t>Número de teléfono.</a:t>
-            </a:r>
-          </a:p>
-        </p:txBody>
-      </p:sp>
-    </p:spTree>
-    <p:extLst>
-      <p:ext uri="{BB962C8B-B14F-4D97-AF65-F5344CB8AC3E}">
-        <p14:creationId xmlns:p14="http://schemas.microsoft.com/office/powerpoint/2010/main" val="3863709571"/>
-      </p:ext>
-    </p:extLst>
-  </p:cSld>
-  <p:clrMapOvr>
-    <a:masterClrMapping/>
-  </p:clrMapOvr>
-</p:sld>
-</file>
-
-<file path=ppt/slides/slide13.xml><?xml version="1.0" encoding="utf-8"?>
-<p:sld xmlns:a="http://schemas.openxmlformats.org/drawingml/2006/main" xmlns:r="http://schemas.openxmlformats.org/officeDocument/2006/relationships" xmlns:p="http://schemas.openxmlformats.org/presentationml/2006/main">
-  <p:cSld>
-    <p:spTree>
-      <p:nvGrpSpPr>
-        <p:cNvPr id="1" name=""/>
-        <p:cNvGrpSpPr/>
-        <p:nvPr/>
-      </p:nvGrpSpPr>
-      <p:grpSpPr>
-        <a:xfrm>
-          <a:off x="0" y="0"/>
-          <a:ext cx="0" cy="0"/>
-          <a:chOff x="0" y="0"/>
-          <a:chExt cx="0" cy="0"/>
-        </a:xfrm>
-      </p:grpSpPr>
-      <p:sp>
-        <p:nvSpPr>
-          <p:cNvPr id="2" name="Título 1">
-            <a:extLst>
-              <a:ext uri="{FF2B5EF4-FFF2-40B4-BE49-F238E27FC236}">
                 <a16:creationId xmlns:a16="http://schemas.microsoft.com/office/drawing/2014/main" id="{EB2C44E8-1366-4C56-AD44-49FB6AED4740}"/>
               </a:ext>
             </a:extLst>
@@ -8334,7 +8033,7 @@
         </p:spPr>
         <p:txBody>
           <a:bodyPr>
-            <a:normAutofit lnSpcReduction="10000"/>
+            <a:normAutofit/>
           </a:bodyPr>
           <a:lstStyle/>
           <a:p>
@@ -8345,7 +8044,11 @@
             </a:pPr>
             <a:r>
               <a:rPr lang="es-ES" dirty="0"/>
-              <a:t>RF3: El sistema debe permitir al administrador actualizar la información de un cliente, incluyendo: </a:t>
+              <a:t>RF3: El sistema debe permitir que el usuario actualizar la información,</a:t>
+            </a:r>
+            <a:r>
+              <a:rPr lang="es-EC" dirty="0"/>
+              <a:t>Nombre completo, Dirección de correo electrónico, Número de teléfono y Dirección física. </a:t>
             </a:r>
           </a:p>
           <a:p>
@@ -8355,8 +8058,8 @@
               </a:lnSpc>
             </a:pPr>
             <a:r>
-              <a:rPr lang="es-EC" dirty="0"/>
-              <a:t>Nombre completo, Dirección de correo electrónico, Número de teléfono y Dirección física. </a:t>
+              <a:rPr lang="es-ES" dirty="0"/>
+              <a:t>RF7: El sistema debe permitir al usuario cambiar el estado de la cuenta del cliente </a:t>
             </a:r>
           </a:p>
           <a:p>
@@ -8367,53 +8070,8 @@
             </a:pPr>
             <a:r>
               <a:rPr lang="es-ES" dirty="0"/>
-              <a:t>RF7: El sistema debe permitir al administrador cambiar el estado de la cuenta del cliente </a:t>
-            </a:r>
-          </a:p>
-          <a:p>
-            <a:pPr algn="just">
-              <a:lnSpc>
-                <a:spcPct val="160000"/>
-              </a:lnSpc>
-            </a:pPr>
-            <a:r>
-              <a:rPr lang="es-ES" dirty="0"/>
               <a:t>RF8: El sistema debe registrar todas las modificaciones realizadas en la cuenta de un cliente, guardando un historial de cambios con fecha y hora. </a:t>
             </a:r>
-          </a:p>
-          <a:p>
-            <a:pPr algn="just">
-              <a:lnSpc>
-                <a:spcPct val="160000"/>
-              </a:lnSpc>
-            </a:pPr>
-            <a:r>
-              <a:rPr lang="es-ES" dirty="0"/>
-              <a:t>RF9: El sistema debe permitir al administrador eliminar una cuenta de cliente, con las siguientes consideraciones: </a:t>
-            </a:r>
-          </a:p>
-          <a:p>
-            <a:pPr algn="just">
-              <a:lnSpc>
-                <a:spcPct val="160000"/>
-              </a:lnSpc>
-            </a:pPr>
-            <a:r>
-              <a:rPr lang="es-ES" dirty="0"/>
-              <a:t>Confirmación previa por parte del administrador antes de proceder con la eliminación. </a:t>
-            </a:r>
-          </a:p>
-          <a:p>
-            <a:pPr algn="just">
-              <a:lnSpc>
-                <a:spcPct val="160000"/>
-              </a:lnSpc>
-            </a:pPr>
-            <a:r>
-              <a:rPr lang="es-ES" dirty="0"/>
-              <a:t>Registro de la eliminación en un historial que incluya la razón de la eliminación (si aplica) y la fecha de eliminación</a:t>
-            </a:r>
-            <a:endParaRPr lang="es-EC" dirty="0"/>
           </a:p>
         </p:txBody>
       </p:sp>
@@ -8430,7 +8088,7 @@
 </p:sld>
 </file>
 
-<file path=ppt/slides/slide14.xml><?xml version="1.0" encoding="utf-8"?>
+<file path=ppt/slides/slide12.xml><?xml version="1.0" encoding="utf-8"?>
 <p:sld xmlns:a="http://schemas.openxmlformats.org/drawingml/2006/main" xmlns:r="http://schemas.openxmlformats.org/officeDocument/2006/relationships" xmlns:p="http://schemas.openxmlformats.org/presentationml/2006/main">
   <p:cSld>
     <p:spTree>
@@ -8524,7 +8182,7 @@
 </p:sld>
 </file>
 
-<file path=ppt/slides/slide15.xml><?xml version="1.0" encoding="utf-8"?>
+<file path=ppt/slides/slide13.xml><?xml version="1.0" encoding="utf-8"?>
 <p:sld xmlns:a="http://schemas.openxmlformats.org/drawingml/2006/main" xmlns:r="http://schemas.openxmlformats.org/officeDocument/2006/relationships" xmlns:p="http://schemas.openxmlformats.org/presentationml/2006/main">
   <p:cSld>
     <p:spTree>
@@ -8618,7 +8276,101 @@
 </p:sld>
 </file>
 
-<file path=ppt/slides/slide16.xml><?xml version="1.0" encoding="utf-8"?>
+<file path=ppt/slides/slide14.xml><?xml version="1.0" encoding="utf-8"?>
+<p:sld xmlns:a="http://schemas.openxmlformats.org/drawingml/2006/main" xmlns:r="http://schemas.openxmlformats.org/officeDocument/2006/relationships" xmlns:p="http://schemas.openxmlformats.org/presentationml/2006/main">
+  <p:cSld>
+    <p:spTree>
+      <p:nvGrpSpPr>
+        <p:cNvPr id="1" name=""/>
+        <p:cNvGrpSpPr/>
+        <p:nvPr/>
+      </p:nvGrpSpPr>
+      <p:grpSpPr>
+        <a:xfrm>
+          <a:off x="0" y="0"/>
+          <a:ext cx="0" cy="0"/>
+          <a:chOff x="0" y="0"/>
+          <a:chExt cx="0" cy="0"/>
+        </a:xfrm>
+      </p:grpSpPr>
+      <p:sp>
+        <p:nvSpPr>
+          <p:cNvPr id="2" name="Título 1">
+            <a:extLst>
+              <a:ext uri="{FF2B5EF4-FFF2-40B4-BE49-F238E27FC236}">
+                <a16:creationId xmlns:a16="http://schemas.microsoft.com/office/drawing/2014/main" id="{2EAA7FF2-264C-4F78-9329-D3BF405A844B}"/>
+              </a:ext>
+            </a:extLst>
+          </p:cNvPr>
+          <p:cNvSpPr>
+            <a:spLocks noGrp="1"/>
+          </p:cNvSpPr>
+          <p:nvPr>
+            <p:ph type="title"/>
+          </p:nvPr>
+        </p:nvSpPr>
+        <p:spPr/>
+        <p:txBody>
+          <a:bodyPr/>
+          <a:lstStyle/>
+          <a:p>
+            <a:r>
+              <a:rPr lang="es-ES" dirty="0"/>
+              <a:t>Diagrama UML</a:t>
+            </a:r>
+            <a:endParaRPr lang="es-EC" dirty="0"/>
+          </a:p>
+        </p:txBody>
+      </p:sp>
+      <p:pic>
+        <p:nvPicPr>
+          <p:cNvPr id="5" name="Marcador de contenido 4">
+            <a:extLst>
+              <a:ext uri="{FF2B5EF4-FFF2-40B4-BE49-F238E27FC236}">
+                <a16:creationId xmlns:a16="http://schemas.microsoft.com/office/drawing/2014/main" id="{DC797D25-B283-4C9A-B1D5-D8F95A2B7171}"/>
+              </a:ext>
+            </a:extLst>
+          </p:cNvPr>
+          <p:cNvPicPr>
+            <a:picLocks noGrp="1" noChangeAspect="1"/>
+          </p:cNvPicPr>
+          <p:nvPr>
+            <p:ph idx="1"/>
+          </p:nvPr>
+        </p:nvPicPr>
+        <p:blipFill>
+          <a:blip r:embed="rId2">
+            <a:extLst>
+              <a:ext uri="{28A0092B-C50C-407E-A947-70E740481C1C}">
+                <a14:useLocalDpi xmlns:a14="http://schemas.microsoft.com/office/drawing/2010/main" val="0"/>
+              </a:ext>
+            </a:extLst>
+          </a:blip>
+          <a:stretch>
+            <a:fillRect/>
+          </a:stretch>
+        </p:blipFill>
+        <p:spPr>
+          <a:xfrm>
+            <a:off x="3691467" y="2133600"/>
+            <a:ext cx="4436046" cy="4100290"/>
+          </a:xfrm>
+        </p:spPr>
+      </p:pic>
+    </p:spTree>
+    <p:extLst>
+      <p:ext uri="{BB962C8B-B14F-4D97-AF65-F5344CB8AC3E}">
+        <p14:creationId xmlns:p14="http://schemas.microsoft.com/office/powerpoint/2010/main" val="999635470"/>
+      </p:ext>
+    </p:extLst>
+  </p:cSld>
+  <p:clrMapOvr>
+    <a:masterClrMapping/>
+  </p:clrMapOvr>
+</p:sld>
+</file>
+
+<file path=ppt/slides/slide15.xml><?xml version="1.0" encoding="utf-8"?>
 <p:sld xmlns:a="http://schemas.openxmlformats.org/drawingml/2006/main" xmlns:r="http://schemas.openxmlformats.org/officeDocument/2006/relationships" xmlns:p="http://schemas.openxmlformats.org/presentationml/2006/main">
   <p:cSld>
     <p:spTree>
@@ -8772,101 +8524,7 @@
 </p:sld>
 </file>
 
-<file path=ppt/slides/slide17.xml><?xml version="1.0" encoding="utf-8"?>
-<p:sld xmlns:a="http://schemas.openxmlformats.org/drawingml/2006/main" xmlns:r="http://schemas.openxmlformats.org/officeDocument/2006/relationships" xmlns:p="http://schemas.openxmlformats.org/presentationml/2006/main">
-  <p:cSld>
-    <p:spTree>
-      <p:nvGrpSpPr>
-        <p:cNvPr id="1" name=""/>
-        <p:cNvGrpSpPr/>
-        <p:nvPr/>
-      </p:nvGrpSpPr>
-      <p:grpSpPr>
-        <a:xfrm>
-          <a:off x="0" y="0"/>
-          <a:ext cx="0" cy="0"/>
-          <a:chOff x="0" y="0"/>
-          <a:chExt cx="0" cy="0"/>
-        </a:xfrm>
-      </p:grpSpPr>
-      <p:sp>
-        <p:nvSpPr>
-          <p:cNvPr id="2" name="Título 1">
-            <a:extLst>
-              <a:ext uri="{FF2B5EF4-FFF2-40B4-BE49-F238E27FC236}">
-                <a16:creationId xmlns:a16="http://schemas.microsoft.com/office/drawing/2014/main" id="{2EAA7FF2-264C-4F78-9329-D3BF405A844B}"/>
-              </a:ext>
-            </a:extLst>
-          </p:cNvPr>
-          <p:cNvSpPr>
-            <a:spLocks noGrp="1"/>
-          </p:cNvSpPr>
-          <p:nvPr>
-            <p:ph type="title"/>
-          </p:nvPr>
-        </p:nvSpPr>
-        <p:spPr/>
-        <p:txBody>
-          <a:bodyPr/>
-          <a:lstStyle/>
-          <a:p>
-            <a:r>
-              <a:rPr lang="es-ES" dirty="0"/>
-              <a:t>Diagrama UML</a:t>
-            </a:r>
-            <a:endParaRPr lang="es-EC" dirty="0"/>
-          </a:p>
-        </p:txBody>
-      </p:sp>
-      <p:pic>
-        <p:nvPicPr>
-          <p:cNvPr id="5" name="Marcador de contenido 4">
-            <a:extLst>
-              <a:ext uri="{FF2B5EF4-FFF2-40B4-BE49-F238E27FC236}">
-                <a16:creationId xmlns:a16="http://schemas.microsoft.com/office/drawing/2014/main" id="{DC797D25-B283-4C9A-B1D5-D8F95A2B7171}"/>
-              </a:ext>
-            </a:extLst>
-          </p:cNvPr>
-          <p:cNvPicPr>
-            <a:picLocks noGrp="1" noChangeAspect="1"/>
-          </p:cNvPicPr>
-          <p:nvPr>
-            <p:ph idx="1"/>
-          </p:nvPr>
-        </p:nvPicPr>
-        <p:blipFill>
-          <a:blip r:embed="rId2">
-            <a:extLst>
-              <a:ext uri="{28A0092B-C50C-407E-A947-70E740481C1C}">
-                <a14:useLocalDpi xmlns:a14="http://schemas.microsoft.com/office/drawing/2010/main" val="0"/>
-              </a:ext>
-            </a:extLst>
-          </a:blip>
-          <a:stretch>
-            <a:fillRect/>
-          </a:stretch>
-        </p:blipFill>
-        <p:spPr>
-          <a:xfrm>
-            <a:off x="3691467" y="2133600"/>
-            <a:ext cx="4436046" cy="4100290"/>
-          </a:xfrm>
-        </p:spPr>
-      </p:pic>
-    </p:spTree>
-    <p:extLst>
-      <p:ext uri="{BB962C8B-B14F-4D97-AF65-F5344CB8AC3E}">
-        <p14:creationId xmlns:p14="http://schemas.microsoft.com/office/powerpoint/2010/main" val="999635470"/>
-      </p:ext>
-    </p:extLst>
-  </p:cSld>
-  <p:clrMapOvr>
-    <a:masterClrMapping/>
-  </p:clrMapOvr>
-</p:sld>
-</file>
-
-<file path=ppt/slides/slide18.xml><?xml version="1.0" encoding="utf-8"?>
+<file path=ppt/slides/slide16.xml><?xml version="1.0" encoding="utf-8"?>
 <p:sld xmlns:a="http://schemas.openxmlformats.org/drawingml/2006/main" xmlns:r="http://schemas.openxmlformats.org/officeDocument/2006/relationships" xmlns:p="http://schemas.openxmlformats.org/presentationml/2006/main">
   <p:cSld>
     <p:spTree>
@@ -8976,7 +8634,7 @@
 </p:sld>
 </file>
 
-<file path=ppt/slides/slide19.xml><?xml version="1.0" encoding="utf-8"?>
+<file path=ppt/slides/slide17.xml><?xml version="1.0" encoding="utf-8"?>
 <p:sld xmlns:a="http://schemas.openxmlformats.org/drawingml/2006/main" xmlns:r="http://schemas.openxmlformats.org/officeDocument/2006/relationships" xmlns:p="http://schemas.openxmlformats.org/presentationml/2006/main">
   <p:cSld>
     <p:spTree>
@@ -9060,110 +8718,7 @@
 </p:sld>
 </file>
 
-<file path=ppt/slides/slide2.xml><?xml version="1.0" encoding="utf-8"?>
-<p:sld xmlns:a="http://schemas.openxmlformats.org/drawingml/2006/main" xmlns:r="http://schemas.openxmlformats.org/officeDocument/2006/relationships" xmlns:p="http://schemas.openxmlformats.org/presentationml/2006/main">
-  <p:cSld>
-    <p:spTree>
-      <p:nvGrpSpPr>
-        <p:cNvPr id="1" name=""/>
-        <p:cNvGrpSpPr/>
-        <p:nvPr/>
-      </p:nvGrpSpPr>
-      <p:grpSpPr>
-        <a:xfrm>
-          <a:off x="0" y="0"/>
-          <a:ext cx="0" cy="0"/>
-          <a:chOff x="0" y="0"/>
-          <a:chExt cx="0" cy="0"/>
-        </a:xfrm>
-      </p:grpSpPr>
-      <p:sp>
-        <p:nvSpPr>
-          <p:cNvPr id="2" name="Título 1">
-            <a:extLst>
-              <a:ext uri="{FF2B5EF4-FFF2-40B4-BE49-F238E27FC236}">
-                <a16:creationId xmlns:a16="http://schemas.microsoft.com/office/drawing/2014/main" id="{A6954ED1-CE59-4100-B888-A87B7DDADF67}"/>
-              </a:ext>
-            </a:extLst>
-          </p:cNvPr>
-          <p:cNvSpPr>
-            <a:spLocks noGrp="1"/>
-          </p:cNvSpPr>
-          <p:nvPr>
-            <p:ph type="title"/>
-          </p:nvPr>
-        </p:nvSpPr>
-        <p:spPr/>
-        <p:txBody>
-          <a:bodyPr/>
-          <a:lstStyle/>
-          <a:p>
-            <a:r>
-              <a:rPr lang="es-EC" dirty="0"/>
-              <a:t>Problemática Analizada:</a:t>
-            </a:r>
-            <a:br>
-              <a:rPr lang="es-EC" dirty="0"/>
-            </a:br>
-            <a:endParaRPr lang="es-EC" dirty="0"/>
-          </a:p>
-        </p:txBody>
-      </p:sp>
-      <p:sp>
-        <p:nvSpPr>
-          <p:cNvPr id="3" name="Marcador de contenido 2">
-            <a:extLst>
-              <a:ext uri="{FF2B5EF4-FFF2-40B4-BE49-F238E27FC236}">
-                <a16:creationId xmlns:a16="http://schemas.microsoft.com/office/drawing/2014/main" id="{E3939F25-530E-438B-A0EB-6C31D46958B9}"/>
-              </a:ext>
-            </a:extLst>
-          </p:cNvPr>
-          <p:cNvSpPr>
-            <a:spLocks noGrp="1"/>
-          </p:cNvSpPr>
-          <p:nvPr>
-            <p:ph idx="1"/>
-          </p:nvPr>
-        </p:nvSpPr>
-        <p:spPr/>
-        <p:txBody>
-          <a:bodyPr/>
-          <a:lstStyle/>
-          <a:p>
-            <a:pPr algn="just">
-              <a:lnSpc>
-                <a:spcPct val="150000"/>
-              </a:lnSpc>
-            </a:pPr>
-            <a:r>
-              <a:rPr lang="es-ES" dirty="0" err="1"/>
-              <a:t>Kaycosmetis,ec</a:t>
-            </a:r>
-            <a:r>
-              <a:rPr lang="es-ES" dirty="0"/>
-              <a:t> es un área enfocada en la exploración y desarrollo en la venta de perfumería. Su objetivo es crear interfaces de usuario agradables de usar, que proporcionen una experiencia amena para los usuarios y fomenten la compra del producto. </a:t>
-            </a:r>
-            <a:endParaRPr lang="es-EC" dirty="0"/>
-          </a:p>
-          <a:p>
-            <a:endParaRPr lang="es-EC" dirty="0"/>
-          </a:p>
-        </p:txBody>
-      </p:sp>
-    </p:spTree>
-    <p:extLst>
-      <p:ext uri="{BB962C8B-B14F-4D97-AF65-F5344CB8AC3E}">
-        <p14:creationId xmlns:p14="http://schemas.microsoft.com/office/powerpoint/2010/main" val="2286051646"/>
-      </p:ext>
-    </p:extLst>
-  </p:cSld>
-  <p:clrMapOvr>
-    <a:masterClrMapping/>
-  </p:clrMapOvr>
-</p:sld>
-</file>
-
-<file path=ppt/slides/slide20.xml><?xml version="1.0" encoding="utf-8"?>
+<file path=ppt/slides/slide18.xml><?xml version="1.0" encoding="utf-8"?>
 <p:sld xmlns:a="http://schemas.openxmlformats.org/drawingml/2006/main" xmlns:r="http://schemas.openxmlformats.org/officeDocument/2006/relationships" xmlns:p="http://schemas.openxmlformats.org/presentationml/2006/main">
   <p:cSld>
     <p:spTree>
@@ -9281,7 +8836,7 @@
 </p:sld>
 </file>
 
-<file path=ppt/slides/slide21.xml><?xml version="1.0" encoding="utf-8"?>
+<file path=ppt/slides/slide19.xml><?xml version="1.0" encoding="utf-8"?>
 <p:sld xmlns:a="http://schemas.openxmlformats.org/drawingml/2006/main" xmlns:r="http://schemas.openxmlformats.org/officeDocument/2006/relationships" xmlns:p="http://schemas.openxmlformats.org/presentationml/2006/main">
   <p:cSld>
     <p:spTree>
@@ -9391,7 +8946,107 @@
 </p:sld>
 </file>
 
-<file path=ppt/slides/slide22.xml><?xml version="1.0" encoding="utf-8"?>
+<file path=ppt/slides/slide2.xml><?xml version="1.0" encoding="utf-8"?>
+<p:sld xmlns:a="http://schemas.openxmlformats.org/drawingml/2006/main" xmlns:r="http://schemas.openxmlformats.org/officeDocument/2006/relationships" xmlns:p="http://schemas.openxmlformats.org/presentationml/2006/main">
+  <p:cSld>
+    <p:spTree>
+      <p:nvGrpSpPr>
+        <p:cNvPr id="1" name=""/>
+        <p:cNvGrpSpPr/>
+        <p:nvPr/>
+      </p:nvGrpSpPr>
+      <p:grpSpPr>
+        <a:xfrm>
+          <a:off x="0" y="0"/>
+          <a:ext cx="0" cy="0"/>
+          <a:chOff x="0" y="0"/>
+          <a:chExt cx="0" cy="0"/>
+        </a:xfrm>
+      </p:grpSpPr>
+      <p:sp>
+        <p:nvSpPr>
+          <p:cNvPr id="2" name="Título 1">
+            <a:extLst>
+              <a:ext uri="{FF2B5EF4-FFF2-40B4-BE49-F238E27FC236}">
+                <a16:creationId xmlns:a16="http://schemas.microsoft.com/office/drawing/2014/main" id="{A6954ED1-CE59-4100-B888-A87B7DDADF67}"/>
+              </a:ext>
+            </a:extLst>
+          </p:cNvPr>
+          <p:cNvSpPr>
+            <a:spLocks noGrp="1"/>
+          </p:cNvSpPr>
+          <p:nvPr>
+            <p:ph type="title"/>
+          </p:nvPr>
+        </p:nvSpPr>
+        <p:spPr/>
+        <p:txBody>
+          <a:bodyPr/>
+          <a:lstStyle/>
+          <a:p>
+            <a:r>
+              <a:rPr lang="es-EC" dirty="0"/>
+              <a:t>Problemática Analizada:</a:t>
+            </a:r>
+            <a:br>
+              <a:rPr lang="es-EC" dirty="0"/>
+            </a:br>
+            <a:endParaRPr lang="es-EC" dirty="0"/>
+          </a:p>
+        </p:txBody>
+      </p:sp>
+      <p:sp>
+        <p:nvSpPr>
+          <p:cNvPr id="3" name="Marcador de contenido 2">
+            <a:extLst>
+              <a:ext uri="{FF2B5EF4-FFF2-40B4-BE49-F238E27FC236}">
+                <a16:creationId xmlns:a16="http://schemas.microsoft.com/office/drawing/2014/main" id="{E3939F25-530E-438B-A0EB-6C31D46958B9}"/>
+              </a:ext>
+            </a:extLst>
+          </p:cNvPr>
+          <p:cNvSpPr>
+            <a:spLocks noGrp="1"/>
+          </p:cNvSpPr>
+          <p:nvPr>
+            <p:ph idx="1"/>
+          </p:nvPr>
+        </p:nvSpPr>
+        <p:spPr/>
+        <p:txBody>
+          <a:bodyPr/>
+          <a:lstStyle/>
+          <a:p>
+            <a:pPr algn="just">
+              <a:lnSpc>
+                <a:spcPct val="150000"/>
+              </a:lnSpc>
+            </a:pPr>
+            <a:r>
+              <a:rPr lang="es-ES" dirty="0" err="1"/>
+              <a:t>Kaycosmetis,ec</a:t>
+            </a:r>
+            <a:r>
+              <a:rPr lang="es-ES" dirty="0"/>
+              <a:t> tiene un problema de exploración y desarrollo en la venta de perfumería en el sitio web.</a:t>
+            </a:r>
+            <a:endParaRPr lang="es-EC" dirty="0"/>
+          </a:p>
+        </p:txBody>
+      </p:sp>
+    </p:spTree>
+    <p:extLst>
+      <p:ext uri="{BB962C8B-B14F-4D97-AF65-F5344CB8AC3E}">
+        <p14:creationId xmlns:p14="http://schemas.microsoft.com/office/powerpoint/2010/main" val="2286051646"/>
+      </p:ext>
+    </p:extLst>
+  </p:cSld>
+  <p:clrMapOvr>
+    <a:masterClrMapping/>
+  </p:clrMapOvr>
+</p:sld>
+</file>
+
+<file path=ppt/slides/slide20.xml><?xml version="1.0" encoding="utf-8"?>
 <p:sld xmlns:a="http://schemas.openxmlformats.org/drawingml/2006/main" xmlns:r="http://schemas.openxmlformats.org/officeDocument/2006/relationships" xmlns:p="http://schemas.openxmlformats.org/presentationml/2006/main">
   <p:cSld>
     <p:spTree>
@@ -9475,7 +9130,7 @@
 </p:sld>
 </file>
 
-<file path=ppt/slides/slide23.xml><?xml version="1.0" encoding="utf-8"?>
+<file path=ppt/slides/slide21.xml><?xml version="1.0" encoding="utf-8"?>
 <p:sld xmlns:a="http://schemas.openxmlformats.org/drawingml/2006/main" xmlns:r="http://schemas.openxmlformats.org/officeDocument/2006/relationships" xmlns:p="http://schemas.openxmlformats.org/presentationml/2006/main">
   <p:cSld>
     <p:spTree>
@@ -9585,7 +9240,7 @@
 </p:sld>
 </file>
 
-<file path=ppt/slides/slide24.xml><?xml version="1.0" encoding="utf-8"?>
+<file path=ppt/slides/slide22.xml><?xml version="1.0" encoding="utf-8"?>
 <p:sld xmlns:a="http://schemas.openxmlformats.org/drawingml/2006/main" xmlns:r="http://schemas.openxmlformats.org/officeDocument/2006/relationships" xmlns:p="http://schemas.openxmlformats.org/presentationml/2006/main">
   <p:cSld>
     <p:spTree>
@@ -9669,7 +9324,7 @@
 </p:sld>
 </file>
 
-<file path=ppt/slides/slide25.xml><?xml version="1.0" encoding="utf-8"?>
+<file path=ppt/slides/slide23.xml><?xml version="1.0" encoding="utf-8"?>
 <p:sld xmlns:a="http://schemas.openxmlformats.org/drawingml/2006/main" xmlns:r="http://schemas.openxmlformats.org/officeDocument/2006/relationships" xmlns:p="http://schemas.openxmlformats.org/presentationml/2006/main">
   <p:cSld>
     <p:spTree>
@@ -9779,7 +9434,7 @@
 </p:sld>
 </file>
 
-<file path=ppt/slides/slide26.xml><?xml version="1.0" encoding="utf-8"?>
+<file path=ppt/slides/slide24.xml><?xml version="1.0" encoding="utf-8"?>
 <p:sld xmlns:a="http://schemas.openxmlformats.org/drawingml/2006/main" xmlns:r="http://schemas.openxmlformats.org/officeDocument/2006/relationships" xmlns:p="http://schemas.openxmlformats.org/presentationml/2006/main">
   <p:cSld>
     <p:spTree>
@@ -9947,34 +9602,13 @@
           <a:lstStyle/>
           <a:p>
             <a:r>
-              <a:rPr lang="es-EC" sz="1800" kern="100" dirty="0">
-                <a:solidFill>
-                  <a:srgbClr val="000000"/>
-                </a:solidFill>
-                <a:effectLst/>
-                <a:latin typeface="Times New Roman" panose="02020603050405020304" pitchFamily="18" charset="0"/>
-                <a:ea typeface="Aptos"/>
-                <a:cs typeface="Times New Roman" panose="02020603050405020304" pitchFamily="18" charset="0"/>
-              </a:rPr>
+              <a:rPr lang="es-EC" dirty="0"/>
               <a:t>Esta propuesta busca crear una experiencia de compra online excepcional para los clientes de perfumes de Kaycosmetis.ec, </a:t>
             </a:r>
-            <a:endParaRPr lang="es-EC" sz="1800" kern="100" dirty="0">
-              <a:effectLst/>
-              <a:latin typeface="Aptos"/>
-              <a:ea typeface="Aptos"/>
-              <a:cs typeface="Times New Roman" panose="02020603050405020304" pitchFamily="18" charset="0"/>
-            </a:endParaRPr>
-          </a:p>
-          <a:p>
-            <a:r>
-              <a:rPr lang="es-EC" sz="1800" b="1" dirty="0">
-                <a:solidFill>
-                  <a:srgbClr val="000000"/>
-                </a:solidFill>
-                <a:effectLst/>
-                <a:latin typeface="Times New Roman" panose="02020603050405020304" pitchFamily="18" charset="0"/>
-                <a:ea typeface="Aptos"/>
-              </a:rPr>
+          </a:p>
+          <a:p>
+            <a:r>
+              <a:rPr lang="es-EC" dirty="0"/>
               <a:t>Objetivos</a:t>
             </a:r>
           </a:p>
@@ -9987,23 +9621,9 @@
               <a:buChar char=""/>
             </a:pPr>
             <a:r>
-              <a:rPr lang="es-EC" sz="1800" kern="100" dirty="0">
-                <a:solidFill>
-                  <a:srgbClr val="000000"/>
-                </a:solidFill>
-                <a:effectLst/>
-                <a:latin typeface="Times New Roman" panose="02020603050405020304" pitchFamily="18" charset="0"/>
-                <a:ea typeface="Aptos"/>
-                <a:cs typeface="Times New Roman" panose="02020603050405020304" pitchFamily="18" charset="0"/>
-              </a:rPr>
+              <a:rPr lang="es-EC" dirty="0"/>
               <a:t>Crear una experiencia de compra online atractiva y fácil de usar para los clientes de perfumes</a:t>
             </a:r>
-            <a:endParaRPr lang="es-EC" sz="1800" kern="100" dirty="0">
-              <a:effectLst/>
-              <a:latin typeface="Aptos"/>
-              <a:ea typeface="Aptos"/>
-              <a:cs typeface="Times New Roman" panose="02020603050405020304" pitchFamily="18" charset="0"/>
-            </a:endParaRPr>
           </a:p>
           <a:p>
             <a:pPr marL="342900" lvl="0" indent="-342900" algn="just">
@@ -10017,23 +9637,9 @@
               <a:buChar char=""/>
             </a:pPr>
             <a:r>
-              <a:rPr lang="es-EC" sz="1800" kern="100" dirty="0">
-                <a:solidFill>
-                  <a:srgbClr val="000000"/>
-                </a:solidFill>
-                <a:effectLst/>
-                <a:latin typeface="Times New Roman" panose="02020603050405020304" pitchFamily="18" charset="0"/>
-                <a:ea typeface="Aptos"/>
-                <a:cs typeface="Times New Roman" panose="02020603050405020304" pitchFamily="18" charset="0"/>
-              </a:rPr>
+              <a:rPr lang="es-EC" dirty="0"/>
               <a:t>Mejorar la presencia digital de Kaycosmetis.ec en el mercado de perfumes</a:t>
             </a:r>
-            <a:endParaRPr lang="es-EC" sz="1800" kern="100" dirty="0">
-              <a:effectLst/>
-              <a:latin typeface="Aptos"/>
-              <a:ea typeface="Aptos"/>
-              <a:cs typeface="Times New Roman" panose="02020603050405020304" pitchFamily="18" charset="0"/>
-            </a:endParaRPr>
           </a:p>
           <a:p>
             <a:endParaRPr lang="es-EC" dirty="0"/>
@@ -10166,7 +9772,7 @@
             </a:pPr>
             <a:r>
               <a:rPr lang="es-ES" dirty="0"/>
-              <a:t> Propósito: Definir los requisitos y expectativas para un sistema de venta de perfumería que permita a los administradores realizar operaciones CRUD (Crear, Leer, Actualizar, Eliminar) sobre los clientes. </a:t>
+              <a:t> Propósito: Definir los requisitos y expectativas para un sistema de venta de perfumería </a:t>
             </a:r>
           </a:p>
           <a:p>
@@ -10177,7 +9783,7 @@
             </a:pPr>
             <a:r>
               <a:rPr lang="es-ES" dirty="0"/>
-              <a:t>Alcance: El sistema se enfocará en proporcionar a los administradores las herramientas necesarias para gestionar clientes de manera eficiente, manteniendo actualizada la base de datos de usuarios. </a:t>
+              <a:t>Alcance: El sistema se enfocará en proporcionar herramientas necesarias para tener expectativas y experiencia de compras.</a:t>
             </a:r>
           </a:p>
         </p:txBody>
@@ -10280,7 +9886,7 @@
             </a:pPr>
             <a:r>
               <a:rPr lang="es-ES" dirty="0"/>
-              <a:t> Visión del sistema: El sistema permitirá a los administradores realizar una gestión completa de los clientes, incluyendo la creación de cuentas, actualización de información, visualización de datos, y eliminación de usuarios cuando sea necesario. </a:t>
+              <a:t> Visión del sistema: El sistema permitirá que los usuarios realizar una gestión de cuentas, actualización de información, visualización de datos y compras.</a:t>
             </a:r>
             <a:endParaRPr lang="es-EC" dirty="0"/>
           </a:p>
@@ -10398,7 +10004,7 @@
             </a:pPr>
             <a:r>
               <a:rPr lang="es-ES" dirty="0"/>
-              <a:t> RF1: El administrador debe poder crear nuevas cuentas de clientes manualmente, ingresando datos como nombre, correo electrónico, dirección, y teléfono. </a:t>
+              <a:t> RF1: El usuario debe poder crear nuevas cuentas de clientes RF2: Al crear una cuenta, el administrador debe poder asignar roles específicos al cliente</a:t>
             </a:r>
           </a:p>
           <a:p>
@@ -10408,8 +10014,16 @@
               </a:lnSpc>
             </a:pPr>
             <a:r>
+              <a:rPr lang="es-EC" dirty="0"/>
+              <a:t>RF2: El </a:t>
+            </a:r>
+            <a:r>
               <a:rPr lang="es-ES" dirty="0"/>
-              <a:t>RF2: Al crear una cuenta, el administrador debe poder asignar roles específicos al cliente</a:t>
+              <a:t>usuario</a:t>
+            </a:r>
+            <a:r>
+              <a:rPr lang="es-EC" dirty="0"/>
+              <a:t> debe poder leer y visualizar una lista completa de su registro en el sistema</a:t>
             </a:r>
           </a:p>
           <a:p>
@@ -10418,21 +10032,6 @@
                 <a:spcPct val="150000"/>
               </a:lnSpc>
             </a:pPr>
-            <a:r>
-              <a:rPr lang="es-EC" dirty="0"/>
-              <a:t>RF3: El administrador debe poder leer y visualizar una lista completa de clientes registrados en el sistema, con detalles como nombre, correo electrónico, historial de compras y estado de la cuenta.</a:t>
-            </a:r>
-          </a:p>
-          <a:p>
-            <a:pPr algn="just">
-              <a:lnSpc>
-                <a:spcPct val="150000"/>
-              </a:lnSpc>
-            </a:pPr>
-            <a:r>
-              <a:rPr lang="es-ES" dirty="0"/>
-              <a:t> </a:t>
-            </a:r>
             <a:endParaRPr lang="es-EC" dirty="0"/>
           </a:p>
         </p:txBody>
@@ -10469,10 +10068,43 @@
       </p:grpSpPr>
       <p:sp>
         <p:nvSpPr>
+          <p:cNvPr id="2" name="Título 1">
+            <a:extLst>
+              <a:ext uri="{FF2B5EF4-FFF2-40B4-BE49-F238E27FC236}">
+                <a16:creationId xmlns:a16="http://schemas.microsoft.com/office/drawing/2014/main" id="{2DBC5AC6-342B-4900-B0BB-B4F891DF65BE}"/>
+              </a:ext>
+            </a:extLst>
+          </p:cNvPr>
+          <p:cNvSpPr>
+            <a:spLocks noGrp="1"/>
+          </p:cNvSpPr>
+          <p:nvPr>
+            <p:ph type="title"/>
+          </p:nvPr>
+        </p:nvSpPr>
+        <p:spPr>
+          <a:xfrm>
+            <a:off x="2082801" y="624110"/>
+            <a:ext cx="9421812" cy="1280890"/>
+          </a:xfrm>
+        </p:spPr>
+        <p:txBody>
+          <a:bodyPr/>
+          <a:lstStyle/>
+          <a:p>
+            <a:r>
+              <a:rPr lang="es-EC" dirty="0"/>
+              <a:t>Requerimientos No Funcionales</a:t>
+            </a:r>
+          </a:p>
+        </p:txBody>
+      </p:sp>
+      <p:sp>
+        <p:nvSpPr>
           <p:cNvPr id="3" name="Marcador de contenido 2">
             <a:extLst>
               <a:ext uri="{FF2B5EF4-FFF2-40B4-BE49-F238E27FC236}">
-                <a16:creationId xmlns:a16="http://schemas.microsoft.com/office/drawing/2014/main" id="{3BDB2D3E-FC09-4687-BCE6-77EB275BF17F}"/>
+                <a16:creationId xmlns:a16="http://schemas.microsoft.com/office/drawing/2014/main" id="{4E1E9789-0596-4B92-ABAB-5F029D4CEE98}"/>
               </a:ext>
             </a:extLst>
           </p:cNvPr>
@@ -10485,8 +10117,8 @@
         </p:nvSpPr>
         <p:spPr>
           <a:xfrm>
-            <a:off x="1219200" y="1388534"/>
-            <a:ext cx="10166879" cy="3777622"/>
+            <a:off x="1100667" y="2133600"/>
+            <a:ext cx="10403945" cy="3777622"/>
           </a:xfrm>
         </p:spPr>
         <p:txBody>
@@ -10500,7 +10132,7 @@
             </a:pPr>
             <a:r>
               <a:rPr lang="es-ES" dirty="0"/>
-              <a:t>RF3: El administrador debe poder leer y visualizar una lista completa de clientes registrados en el sistema, con detalles como nombre, correo electrónico, historial de compras y estado de la cuenta. </a:t>
+              <a:t>RNF1: El sistema debe ser accesible desde dispositivos móviles y de escritorio, con un diseño responsivo. </a:t>
             </a:r>
           </a:p>
           <a:p>
@@ -10511,16 +10143,15 @@
             </a:pPr>
             <a:r>
               <a:rPr lang="es-ES" dirty="0"/>
-              <a:t>RF4: El administrador debe poder buscar y filtrar clientes por diferentes criterios, como nombre, correo electrónico, fecha de registro, o estado de la cuenta.</a:t>
-            </a:r>
-            <a:endParaRPr lang="es-EC" dirty="0"/>
+              <a:t>RNF2: La interfaz para la gestión de clientes debe ser intuitiva y fácil de usar, con tiempos de respuesta rápidos. </a:t>
+            </a:r>
           </a:p>
         </p:txBody>
       </p:sp>
     </p:spTree>
     <p:extLst>
       <p:ext uri="{BB962C8B-B14F-4D97-AF65-F5344CB8AC3E}">
-        <p14:creationId xmlns:p14="http://schemas.microsoft.com/office/powerpoint/2010/main" val="2114068822"/>
+        <p14:creationId xmlns:p14="http://schemas.microsoft.com/office/powerpoint/2010/main" val="1540236967"/>
       </p:ext>
     </p:extLst>
   </p:cSld>
@@ -10552,7 +10183,7 @@
           <p:cNvPr id="2" name="Título 1">
             <a:extLst>
               <a:ext uri="{FF2B5EF4-FFF2-40B4-BE49-F238E27FC236}">
-                <a16:creationId xmlns:a16="http://schemas.microsoft.com/office/drawing/2014/main" id="{9E3685F2-0F12-4C5D-A66E-FF35F7E2F23B}"/>
+                <a16:creationId xmlns:a16="http://schemas.microsoft.com/office/drawing/2014/main" id="{AA2A3B0F-78ED-4390-A3A8-3D9C3005AA9B}"/>
               </a:ext>
             </a:extLst>
           </p:cNvPr>
@@ -10563,12 +10194,30 @@
             <p:ph type="title"/>
           </p:nvPr>
         </p:nvSpPr>
-        <p:spPr/>
-        <p:txBody>
-          <a:bodyPr/>
-          <a:lstStyle/>
-          <a:p>
-            <a:endParaRPr lang="es-EC" dirty="0"/>
+        <p:spPr>
+          <a:xfrm>
+            <a:off x="1591733" y="624110"/>
+            <a:ext cx="9912879" cy="1280890"/>
+          </a:xfrm>
+        </p:spPr>
+        <p:txBody>
+          <a:bodyPr>
+            <a:normAutofit/>
+          </a:bodyPr>
+          <a:lstStyle/>
+          <a:p>
+            <a:r>
+              <a:rPr lang="es-ES" sz="2000" dirty="0"/>
+              <a:t>Especificación de Requerimientos Funcionales (ERF) </a:t>
+            </a:r>
+            <a:br>
+              <a:rPr lang="es-ES" sz="2000" dirty="0"/>
+            </a:br>
+            <a:r>
+              <a:rPr lang="es-ES" sz="2000" dirty="0"/>
+              <a:t>Sistema de Venta de Perfumería - Gestión de Clientes CRUD por Administrador</a:t>
+            </a:r>
+            <a:endParaRPr lang="es-EC" sz="2000" dirty="0"/>
           </a:p>
         </p:txBody>
       </p:sp>
@@ -10577,7 +10226,7 @@
           <p:cNvPr id="3" name="Marcador de contenido 2">
             <a:extLst>
               <a:ext uri="{FF2B5EF4-FFF2-40B4-BE49-F238E27FC236}">
-                <a16:creationId xmlns:a16="http://schemas.microsoft.com/office/drawing/2014/main" id="{A1086AD6-DE0D-4AFD-B548-AB0C18952E26}"/>
+                <a16:creationId xmlns:a16="http://schemas.microsoft.com/office/drawing/2014/main" id="{3DD46CF1-8F50-41A1-90B1-D8F3F54718D4}"/>
               </a:ext>
             </a:extLst>
           </p:cNvPr>
@@ -10590,8 +10239,8 @@
         </p:nvSpPr>
         <p:spPr>
           <a:xfrm>
-            <a:off x="1270000" y="2133600"/>
-            <a:ext cx="10234612" cy="3777622"/>
+            <a:off x="1151467" y="2133600"/>
+            <a:ext cx="10353145" cy="3777622"/>
           </a:xfrm>
         </p:spPr>
         <p:txBody>
@@ -10604,8 +10253,8 @@
               </a:lnSpc>
             </a:pPr>
             <a:r>
-              <a:rPr lang="es-ES" dirty="0"/>
-              <a:t>RF7: El administrador debe poder eliminar una cuenta de cliente cuando sea necesario, ya sea por solicitud del cliente o por razones administrativas. </a:t>
+              <a:rPr lang="es-EC" dirty="0"/>
+              <a:t>Introducción</a:t>
             </a:r>
           </a:p>
           <a:p>
@@ -10616,7 +10265,7 @@
             </a:pPr>
             <a:r>
               <a:rPr lang="es-ES" dirty="0"/>
-              <a:t>RF8: Antes de eliminar una cuenta, el sistema debe solicitar una confirmación para evitar eliminaciones accidentales.</a:t>
+              <a:t>Este documento detalla los requerimientos funcionales específicos relacionados con las operaciones CRUD que los usuarios debe poder realizar para la gestión de un sistema de venta de perfumería.</a:t>
             </a:r>
             <a:endParaRPr lang="es-EC" dirty="0"/>
           </a:p>
@@ -10625,7 +10274,7 @@
     </p:spTree>
     <p:extLst>
       <p:ext uri="{BB962C8B-B14F-4D97-AF65-F5344CB8AC3E}">
-        <p14:creationId xmlns:p14="http://schemas.microsoft.com/office/powerpoint/2010/main" val="1784669680"/>
+        <p14:creationId xmlns:p14="http://schemas.microsoft.com/office/powerpoint/2010/main" val="4139903517"/>
       </p:ext>
     </p:extLst>
   </p:cSld>
@@ -10657,7 +10306,7 @@
           <p:cNvPr id="2" name="Título 1">
             <a:extLst>
               <a:ext uri="{FF2B5EF4-FFF2-40B4-BE49-F238E27FC236}">
-                <a16:creationId xmlns:a16="http://schemas.microsoft.com/office/drawing/2014/main" id="{2DBC5AC6-342B-4900-B0BB-B4F891DF65BE}"/>
+                <a16:creationId xmlns:a16="http://schemas.microsoft.com/office/drawing/2014/main" id="{B7730A95-37F2-4AFA-92ED-C2BCA6B9F7B2}"/>
               </a:ext>
             </a:extLst>
           </p:cNvPr>
@@ -10670,17 +10319,26 @@
         </p:nvSpPr>
         <p:spPr>
           <a:xfrm>
-            <a:off x="2082801" y="624110"/>
-            <a:ext cx="9421812" cy="1280890"/>
+            <a:off x="1896533" y="624110"/>
+            <a:ext cx="9608079" cy="1280890"/>
           </a:xfrm>
         </p:spPr>
         <p:txBody>
-          <a:bodyPr/>
-          <a:lstStyle/>
-          <a:p>
-            <a:r>
-              <a:rPr lang="es-EC" dirty="0"/>
-              <a:t>Requerimientos No Funcionales</a:t>
+          <a:bodyPr>
+            <a:normAutofit/>
+          </a:bodyPr>
+          <a:lstStyle/>
+          <a:p>
+            <a:r>
+              <a:rPr lang="es-EC" sz="2000" dirty="0"/>
+              <a:t>Requerimientos Funcionales </a:t>
+            </a:r>
+            <a:br>
+              <a:rPr lang="es-EC" sz="2000" dirty="0"/>
+            </a:br>
+            <a:r>
+              <a:rPr lang="es-EC" sz="2000" dirty="0"/>
+              <a:t>2.1. Creación de Clientes</a:t>
             </a:r>
           </a:p>
         </p:txBody>
@@ -10690,7 +10348,7 @@
           <p:cNvPr id="3" name="Marcador de contenido 2">
             <a:extLst>
               <a:ext uri="{FF2B5EF4-FFF2-40B4-BE49-F238E27FC236}">
-                <a16:creationId xmlns:a16="http://schemas.microsoft.com/office/drawing/2014/main" id="{4E1E9789-0596-4B92-ABAB-5F029D4CEE98}"/>
+                <a16:creationId xmlns:a16="http://schemas.microsoft.com/office/drawing/2014/main" id="{1317B0DB-BD50-4614-940D-5ADC68648234}"/>
               </a:ext>
             </a:extLst>
           </p:cNvPr>
@@ -10703,8 +10361,8 @@
         </p:nvSpPr>
         <p:spPr>
           <a:xfrm>
-            <a:off x="1100667" y="2133600"/>
-            <a:ext cx="10403945" cy="3777622"/>
+            <a:off x="1693333" y="2133600"/>
+            <a:ext cx="9811279" cy="3777622"/>
           </a:xfrm>
         </p:spPr>
         <p:txBody>
@@ -10718,7 +10376,7 @@
             </a:pPr>
             <a:r>
               <a:rPr lang="es-ES" dirty="0"/>
-              <a:t>RNF1: El sistema debe ser accesible desde dispositivos móviles y de escritorio, con un diseño responsivo. </a:t>
+              <a:t>RF1: El sistema debe permitir al usuario crear una nueva cuenta, ingresando información básica como: </a:t>
             </a:r>
           </a:p>
           <a:p>
@@ -10728,8 +10386,8 @@
               </a:lnSpc>
             </a:pPr>
             <a:r>
-              <a:rPr lang="es-ES" dirty="0"/>
-              <a:t>RNF2: La interfaz para la gestión de clientes debe ser intuitiva y fácil de usar, con tiempos de respuesta rápidos. </a:t>
+              <a:rPr lang="es-EC" dirty="0"/>
+              <a:t>Nombre completo. </a:t>
             </a:r>
           </a:p>
           <a:p>
@@ -10739,17 +10397,49 @@
               </a:lnSpc>
             </a:pPr>
             <a:r>
-              <a:rPr lang="es-ES" dirty="0"/>
-              <a:t>RNF3: El sistema debe cumplir con las normativas de seguridad, protegiendo la información personal de los clientes.</a:t>
-            </a:r>
-            <a:endParaRPr lang="es-EC" dirty="0"/>
+              <a:rPr lang="es-EC" dirty="0"/>
+              <a:t>Dirección de correo electrónico. </a:t>
+            </a:r>
+          </a:p>
+          <a:p>
+            <a:pPr algn="just">
+              <a:lnSpc>
+                <a:spcPct val="150000"/>
+              </a:lnSpc>
+            </a:pPr>
+            <a:r>
+              <a:rPr lang="es-EC" dirty="0"/>
+              <a:t>Número de teléfono. </a:t>
+            </a:r>
+          </a:p>
+          <a:p>
+            <a:pPr algn="just">
+              <a:lnSpc>
+                <a:spcPct val="150000"/>
+              </a:lnSpc>
+            </a:pPr>
+            <a:r>
+              <a:rPr lang="es-EC" dirty="0"/>
+              <a:t>Dirección física. </a:t>
+            </a:r>
+          </a:p>
+          <a:p>
+            <a:pPr algn="just">
+              <a:lnSpc>
+                <a:spcPct val="150000"/>
+              </a:lnSpc>
+            </a:pPr>
+            <a:r>
+              <a:rPr lang="es-EC" dirty="0"/>
+              <a:t>Fecha de nacimiento (opcional).</a:t>
+            </a:r>
           </a:p>
         </p:txBody>
       </p:sp>
     </p:spTree>
     <p:extLst>
       <p:ext uri="{BB962C8B-B14F-4D97-AF65-F5344CB8AC3E}">
-        <p14:creationId xmlns:p14="http://schemas.microsoft.com/office/powerpoint/2010/main" val="1540236967"/>
+        <p14:creationId xmlns:p14="http://schemas.microsoft.com/office/powerpoint/2010/main" val="2343730151"/>
       </p:ext>
     </p:extLst>
   </p:cSld>
